--- a/data/Overview/200928fr_fea2_overview.pptx
+++ b/data/Overview/200928fr_fea2_overview.pptx
@@ -30,27 +30,27 @@
     <p:sldId id="290" r:id="rId18"/>
     <p:sldId id="3719" r:id="rId19"/>
     <p:sldId id="3722" r:id="rId20"/>
-    <p:sldId id="3717" r:id="rId21"/>
-    <p:sldId id="3731" r:id="rId22"/>
-    <p:sldId id="3729" r:id="rId23"/>
-    <p:sldId id="3730" r:id="rId24"/>
-    <p:sldId id="3732" r:id="rId25"/>
-    <p:sldId id="3733" r:id="rId26"/>
-    <p:sldId id="3734" r:id="rId27"/>
-    <p:sldId id="3735" r:id="rId28"/>
-    <p:sldId id="3736" r:id="rId29"/>
-    <p:sldId id="3737" r:id="rId30"/>
-    <p:sldId id="3738" r:id="rId31"/>
-    <p:sldId id="3739" r:id="rId32"/>
-    <p:sldId id="3740" r:id="rId33"/>
-    <p:sldId id="3741" r:id="rId34"/>
-    <p:sldId id="3718" r:id="rId35"/>
-    <p:sldId id="3742" r:id="rId36"/>
-    <p:sldId id="3743" r:id="rId37"/>
-    <p:sldId id="3716" r:id="rId38"/>
-    <p:sldId id="3715" r:id="rId39"/>
-    <p:sldId id="3547" r:id="rId40"/>
-    <p:sldId id="3609" r:id="rId41"/>
+    <p:sldId id="3746" r:id="rId21"/>
+    <p:sldId id="3717" r:id="rId22"/>
+    <p:sldId id="3731" r:id="rId23"/>
+    <p:sldId id="3729" r:id="rId24"/>
+    <p:sldId id="3730" r:id="rId25"/>
+    <p:sldId id="3732" r:id="rId26"/>
+    <p:sldId id="3733" r:id="rId27"/>
+    <p:sldId id="3734" r:id="rId28"/>
+    <p:sldId id="3735" r:id="rId29"/>
+    <p:sldId id="3736" r:id="rId30"/>
+    <p:sldId id="3737" r:id="rId31"/>
+    <p:sldId id="3738" r:id="rId32"/>
+    <p:sldId id="3739" r:id="rId33"/>
+    <p:sldId id="3740" r:id="rId34"/>
+    <p:sldId id="3741" r:id="rId35"/>
+    <p:sldId id="3718" r:id="rId36"/>
+    <p:sldId id="3742" r:id="rId37"/>
+    <p:sldId id="3743" r:id="rId38"/>
+    <p:sldId id="3716" r:id="rId39"/>
+    <p:sldId id="3715" r:id="rId40"/>
+    <p:sldId id="3547" r:id="rId41"/>
     <p:sldId id="3720" r:id="rId42"/>
   </p:sldIdLst>
   <p:sldSz cx="9144000" cy="5143500" type="screen16x9"/>
@@ -188,6 +188,7 @@
         </p14:section>
         <p14:section name="Examples" id="{39AD4C29-DF43-4B20-B5A3-663AB78068D3}">
           <p14:sldIdLst>
+            <p14:sldId id="3746"/>
             <p14:sldId id="3717"/>
             <p14:sldId id="3731"/>
             <p14:sldId id="3729"/>
@@ -208,7 +209,6 @@
             <p14:sldId id="3716"/>
             <p14:sldId id="3715"/>
             <p14:sldId id="3547"/>
-            <p14:sldId id="3609"/>
             <p14:sldId id="3720"/>
           </p14:sldIdLst>
         </p14:section>
@@ -4207,82 +4207,6 @@
 </file>
 
 <file path=ppt/slideLayouts/slideLayout17.xml><?xml version="1.0" encoding="utf-8"?>
-<p:sldLayout xmlns:a="http://schemas.openxmlformats.org/drawingml/2006/main" xmlns:r="http://schemas.openxmlformats.org/officeDocument/2006/relationships" xmlns:p="http://schemas.openxmlformats.org/presentationml/2006/main" matchingName="Blank" type="blank">
-  <p:cSld name="Blank">
-    <p:spTree>
-      <p:nvGrpSpPr>
-        <p:cNvPr id="1" name="Shape 15"/>
-        <p:cNvGrpSpPr/>
-        <p:nvPr/>
-      </p:nvGrpSpPr>
-      <p:grpSpPr>
-        <a:xfrm>
-          <a:off x="0" y="0"/>
-          <a:ext cx="0" cy="0"/>
-          <a:chOff x="0" y="0"/>
-          <a:chExt cx="0" cy="0"/>
-        </a:xfrm>
-      </p:grpSpPr>
-      <p:sp>
-        <p:nvSpPr>
-          <p:cNvPr id="3" name="TextBox 2">
-            <a:extLst>
-              <a:ext uri="{FF2B5EF4-FFF2-40B4-BE49-F238E27FC236}">
-                <a16:creationId xmlns:a16="http://schemas.microsoft.com/office/drawing/2014/main" id="{3B2B3547-9D16-4DA3-997F-290421015A27}"/>
-              </a:ext>
-            </a:extLst>
-          </p:cNvPr>
-          <p:cNvSpPr txBox="1"/>
-          <p:nvPr userDrawn="1"/>
-        </p:nvSpPr>
-        <p:spPr>
-          <a:xfrm>
-            <a:off x="8424863" y="109537"/>
-            <a:ext cx="461962" cy="246221"/>
-          </a:xfrm>
-          <a:prstGeom prst="rect">
-            <a:avLst/>
-          </a:prstGeom>
-          <a:noFill/>
-        </p:spPr>
-        <p:txBody>
-          <a:bodyPr wrap="square" rtlCol="0">
-            <a:spAutoFit/>
-          </a:bodyPr>
-          <a:lstStyle/>
-          <a:p>
-            <a:fld id="{67B4E7DA-0653-4F32-8602-05980CD277B7}" type="slidenum">
-              <a:rPr lang="en-US" sz="1000" smtClean="0">
-                <a:solidFill>
-                  <a:schemeClr val="tx1"/>
-                </a:solidFill>
-                <a:latin typeface="+mj-lt"/>
-              </a:rPr>
-              <a:t>‹#›</a:t>
-            </a:fld>
-            <a:endParaRPr lang="en-US" sz="1000" dirty="0">
-              <a:solidFill>
-                <a:schemeClr val="tx1"/>
-              </a:solidFill>
-              <a:latin typeface="+mj-lt"/>
-            </a:endParaRPr>
-          </a:p>
-        </p:txBody>
-      </p:sp>
-    </p:spTree>
-    <p:extLst>
-      <p:ext uri="{BB962C8B-B14F-4D97-AF65-F5344CB8AC3E}">
-        <p14:creationId xmlns:p14="http://schemas.microsoft.com/office/powerpoint/2010/main" val="4290200299"/>
-      </p:ext>
-    </p:extLst>
-  </p:cSld>
-  <p:clrMapOvr>
-    <a:masterClrMapping/>
-  </p:clrMapOvr>
-</p:sldLayout>
-</file>
-
-<file path=ppt/slideLayouts/slideLayout18.xml><?xml version="1.0" encoding="utf-8"?>
 <p:sldLayout xmlns:a="http://schemas.openxmlformats.org/drawingml/2006/main" xmlns:r="http://schemas.openxmlformats.org/officeDocument/2006/relationships" xmlns:p="http://schemas.openxmlformats.org/presentationml/2006/main" preserve="1" userDrawn="1">
   <p:cSld name="Custom Layout">
     <p:spTree>
@@ -4378,7 +4302,7 @@
 </p:sldLayout>
 </file>
 
-<file path=ppt/slideLayouts/slideLayout19.xml><?xml version="1.0" encoding="utf-8"?>
+<file path=ppt/slideLayouts/slideLayout18.xml><?xml version="1.0" encoding="utf-8"?>
 <p:sldLayout xmlns:a="http://schemas.openxmlformats.org/drawingml/2006/main" xmlns:r="http://schemas.openxmlformats.org/officeDocument/2006/relationships" xmlns:p="http://schemas.openxmlformats.org/presentationml/2006/main" matchingName="Blank 1 1">
   <p:cSld name="Blank 1 1">
     <p:bg>
@@ -4732,83 +4656,7 @@
 </p:sldLayout>
 </file>
 
-<file path=ppt/slideLayouts/slideLayout2.xml><?xml version="1.0" encoding="utf-8"?>
-<p:sldLayout xmlns:a="http://schemas.openxmlformats.org/drawingml/2006/main" xmlns:r="http://schemas.openxmlformats.org/officeDocument/2006/relationships" xmlns:p="http://schemas.openxmlformats.org/presentationml/2006/main" preserve="1" userDrawn="1">
-  <p:cSld name="blank_black">
-    <p:bg>
-      <p:bgPr>
-        <a:solidFill>
-          <a:schemeClr val="tx1"/>
-        </a:solidFill>
-        <a:effectLst/>
-      </p:bgPr>
-    </p:bg>
-    <p:spTree>
-      <p:nvGrpSpPr>
-        <p:cNvPr id="1" name=""/>
-        <p:cNvGrpSpPr/>
-        <p:nvPr/>
-      </p:nvGrpSpPr>
-      <p:grpSpPr>
-        <a:xfrm>
-          <a:off x="0" y="0"/>
-          <a:ext cx="0" cy="0"/>
-          <a:chOff x="0" y="0"/>
-          <a:chExt cx="0" cy="0"/>
-        </a:xfrm>
-      </p:grpSpPr>
-      <p:sp>
-        <p:nvSpPr>
-          <p:cNvPr id="2" name="Slide Number Placeholder 1">
-            <a:extLst>
-              <a:ext uri="{FF2B5EF4-FFF2-40B4-BE49-F238E27FC236}">
-                <a16:creationId xmlns:a16="http://schemas.microsoft.com/office/drawing/2014/main" id="{23384A68-AD38-8C4F-9E5D-AB03676B6512}"/>
-              </a:ext>
-            </a:extLst>
-          </p:cNvPr>
-          <p:cNvSpPr>
-            <a:spLocks noGrp="1"/>
-          </p:cNvSpPr>
-          <p:nvPr>
-            <p:ph type="sldNum" sz="quarter" idx="10"/>
-          </p:nvPr>
-        </p:nvSpPr>
-        <p:spPr/>
-        <p:txBody>
-          <a:bodyPr/>
-          <a:lstStyle>
-            <a:lvl1pPr>
-              <a:defRPr>
-                <a:solidFill>
-                  <a:schemeClr val="bg1"/>
-                </a:solidFill>
-              </a:defRPr>
-            </a:lvl1pPr>
-          </a:lstStyle>
-          <a:p>
-            <a:fld id="{135BD99D-F739-4C48-A769-D8C856C33304}" type="slidenum">
-              <a:rPr lang="de-DE" smtClean="0"/>
-              <a:pPr/>
-              <a:t>‹#›</a:t>
-            </a:fld>
-            <a:endParaRPr lang="de-DE" dirty="0"/>
-          </a:p>
-        </p:txBody>
-      </p:sp>
-    </p:spTree>
-    <p:extLst>
-      <p:ext uri="{BB962C8B-B14F-4D97-AF65-F5344CB8AC3E}">
-        <p14:creationId xmlns:p14="http://schemas.microsoft.com/office/powerpoint/2010/main" val="2326714375"/>
-      </p:ext>
-    </p:extLst>
-  </p:cSld>
-  <p:clrMapOvr>
-    <a:masterClrMapping/>
-  </p:clrMapOvr>
-</p:sldLayout>
-</file>
-
-<file path=ppt/slideLayouts/slideLayout20.xml><?xml version="1.0" encoding="utf-8"?>
+<file path=ppt/slideLayouts/slideLayout19.xml><?xml version="1.0" encoding="utf-8"?>
 <p:sldLayout xmlns:a="http://schemas.openxmlformats.org/drawingml/2006/main" xmlns:r="http://schemas.openxmlformats.org/officeDocument/2006/relationships" xmlns:p="http://schemas.openxmlformats.org/presentationml/2006/main" matchingName="Blank 1">
   <p:cSld name="Blank 1">
     <p:bg>
@@ -5054,7 +4902,83 @@
 </p:sldLayout>
 </file>
 
-<file path=ppt/slideLayouts/slideLayout21.xml><?xml version="1.0" encoding="utf-8"?>
+<file path=ppt/slideLayouts/slideLayout2.xml><?xml version="1.0" encoding="utf-8"?>
+<p:sldLayout xmlns:a="http://schemas.openxmlformats.org/drawingml/2006/main" xmlns:r="http://schemas.openxmlformats.org/officeDocument/2006/relationships" xmlns:p="http://schemas.openxmlformats.org/presentationml/2006/main" preserve="1" userDrawn="1">
+  <p:cSld name="blank_black">
+    <p:bg>
+      <p:bgPr>
+        <a:solidFill>
+          <a:schemeClr val="tx1"/>
+        </a:solidFill>
+        <a:effectLst/>
+      </p:bgPr>
+    </p:bg>
+    <p:spTree>
+      <p:nvGrpSpPr>
+        <p:cNvPr id="1" name=""/>
+        <p:cNvGrpSpPr/>
+        <p:nvPr/>
+      </p:nvGrpSpPr>
+      <p:grpSpPr>
+        <a:xfrm>
+          <a:off x="0" y="0"/>
+          <a:ext cx="0" cy="0"/>
+          <a:chOff x="0" y="0"/>
+          <a:chExt cx="0" cy="0"/>
+        </a:xfrm>
+      </p:grpSpPr>
+      <p:sp>
+        <p:nvSpPr>
+          <p:cNvPr id="2" name="Slide Number Placeholder 1">
+            <a:extLst>
+              <a:ext uri="{FF2B5EF4-FFF2-40B4-BE49-F238E27FC236}">
+                <a16:creationId xmlns:a16="http://schemas.microsoft.com/office/drawing/2014/main" id="{23384A68-AD38-8C4F-9E5D-AB03676B6512}"/>
+              </a:ext>
+            </a:extLst>
+          </p:cNvPr>
+          <p:cNvSpPr>
+            <a:spLocks noGrp="1"/>
+          </p:cNvSpPr>
+          <p:nvPr>
+            <p:ph type="sldNum" sz="quarter" idx="10"/>
+          </p:nvPr>
+        </p:nvSpPr>
+        <p:spPr/>
+        <p:txBody>
+          <a:bodyPr/>
+          <a:lstStyle>
+            <a:lvl1pPr>
+              <a:defRPr>
+                <a:solidFill>
+                  <a:schemeClr val="bg1"/>
+                </a:solidFill>
+              </a:defRPr>
+            </a:lvl1pPr>
+          </a:lstStyle>
+          <a:p>
+            <a:fld id="{135BD99D-F739-4C48-A769-D8C856C33304}" type="slidenum">
+              <a:rPr lang="de-DE" smtClean="0"/>
+              <a:pPr/>
+              <a:t>‹#›</a:t>
+            </a:fld>
+            <a:endParaRPr lang="de-DE" dirty="0"/>
+          </a:p>
+        </p:txBody>
+      </p:sp>
+    </p:spTree>
+    <p:extLst>
+      <p:ext uri="{BB962C8B-B14F-4D97-AF65-F5344CB8AC3E}">
+        <p14:creationId xmlns:p14="http://schemas.microsoft.com/office/powerpoint/2010/main" val="2326714375"/>
+      </p:ext>
+    </p:extLst>
+  </p:cSld>
+  <p:clrMapOvr>
+    <a:masterClrMapping/>
+  </p:clrMapOvr>
+</p:sldLayout>
+</file>
+
+<file path=ppt/slideLayouts/slideLayout20.xml><?xml version="1.0" encoding="utf-8"?>
 <p:sldLayout xmlns:a="http://schemas.openxmlformats.org/drawingml/2006/main" xmlns:r="http://schemas.openxmlformats.org/officeDocument/2006/relationships" xmlns:p="http://schemas.openxmlformats.org/presentationml/2006/main" matchingName="Blank 1 2">
   <p:cSld name="Blank 1 2">
     <p:bg>
@@ -5429,7 +5353,7 @@
 </p:sldLayout>
 </file>
 
-<file path=ppt/slideLayouts/slideLayout22.xml><?xml version="1.0" encoding="utf-8"?>
+<file path=ppt/slideLayouts/slideLayout21.xml><?xml version="1.0" encoding="utf-8"?>
 <p:sldLayout xmlns:a="http://schemas.openxmlformats.org/drawingml/2006/main" xmlns:r="http://schemas.openxmlformats.org/officeDocument/2006/relationships" xmlns:p="http://schemas.openxmlformats.org/presentationml/2006/main" type="title" preserve="1">
   <p:cSld name="Title Slide">
     <p:spTree>
@@ -5649,7 +5573,7 @@
 </p:sldLayout>
 </file>
 
-<file path=ppt/slideLayouts/slideLayout23.xml><?xml version="1.0" encoding="utf-8"?>
+<file path=ppt/slideLayouts/slideLayout22.xml><?xml version="1.0" encoding="utf-8"?>
 <p:sldLayout xmlns:a="http://schemas.openxmlformats.org/drawingml/2006/main" xmlns:r="http://schemas.openxmlformats.org/officeDocument/2006/relationships" xmlns:p="http://schemas.openxmlformats.org/presentationml/2006/main" type="obj" preserve="1">
   <p:cSld name="Title and Content">
     <p:spTree>
@@ -5847,7 +5771,7 @@
 </p:sldLayout>
 </file>
 
-<file path=ppt/slideLayouts/slideLayout24.xml><?xml version="1.0" encoding="utf-8"?>
+<file path=ppt/slideLayouts/slideLayout23.xml><?xml version="1.0" encoding="utf-8"?>
 <p:sldLayout xmlns:a="http://schemas.openxmlformats.org/drawingml/2006/main" xmlns:r="http://schemas.openxmlformats.org/officeDocument/2006/relationships" xmlns:p="http://schemas.openxmlformats.org/presentationml/2006/main" type="secHead" preserve="1">
   <p:cSld name="Section Header">
     <p:spTree>
@@ -6122,7 +6046,7 @@
 </p:sldLayout>
 </file>
 
-<file path=ppt/slideLayouts/slideLayout25.xml><?xml version="1.0" encoding="utf-8"?>
+<file path=ppt/slideLayouts/slideLayout24.xml><?xml version="1.0" encoding="utf-8"?>
 <p:sldLayout xmlns:a="http://schemas.openxmlformats.org/drawingml/2006/main" xmlns:r="http://schemas.openxmlformats.org/officeDocument/2006/relationships" xmlns:p="http://schemas.openxmlformats.org/presentationml/2006/main" type="twoObj" preserve="1">
   <p:cSld name="Two Content">
     <p:spTree>
@@ -6387,7 +6311,7 @@
 </p:sldLayout>
 </file>
 
-<file path=ppt/slideLayouts/slideLayout26.xml><?xml version="1.0" encoding="utf-8"?>
+<file path=ppt/slideLayouts/slideLayout25.xml><?xml version="1.0" encoding="utf-8"?>
 <p:sldLayout xmlns:a="http://schemas.openxmlformats.org/drawingml/2006/main" xmlns:r="http://schemas.openxmlformats.org/officeDocument/2006/relationships" xmlns:p="http://schemas.openxmlformats.org/presentationml/2006/main" type="twoTxTwoObj" preserve="1">
   <p:cSld name="Comparison">
     <p:spTree>
@@ -6799,7 +6723,7 @@
 </p:sldLayout>
 </file>
 
-<file path=ppt/slideLayouts/slideLayout27.xml><?xml version="1.0" encoding="utf-8"?>
+<file path=ppt/slideLayouts/slideLayout26.xml><?xml version="1.0" encoding="utf-8"?>
 <p:sldLayout xmlns:a="http://schemas.openxmlformats.org/drawingml/2006/main" xmlns:r="http://schemas.openxmlformats.org/officeDocument/2006/relationships" xmlns:p="http://schemas.openxmlformats.org/presentationml/2006/main" type="titleOnly" preserve="1">
   <p:cSld name="Title Only">
     <p:spTree>
@@ -6940,7 +6864,7 @@
 </p:sldLayout>
 </file>
 
-<file path=ppt/slideLayouts/slideLayout28.xml><?xml version="1.0" encoding="utf-8"?>
+<file path=ppt/slideLayouts/slideLayout27.xml><?xml version="1.0" encoding="utf-8"?>
 <p:sldLayout xmlns:a="http://schemas.openxmlformats.org/drawingml/2006/main" xmlns:r="http://schemas.openxmlformats.org/officeDocument/2006/relationships" xmlns:p="http://schemas.openxmlformats.org/presentationml/2006/main" type="blank" preserve="1">
   <p:cSld name="Blank">
     <p:spTree>
@@ -7053,7 +6977,7 @@
 </p:sldLayout>
 </file>
 
-<file path=ppt/slideLayouts/slideLayout29.xml><?xml version="1.0" encoding="utf-8"?>
+<file path=ppt/slideLayouts/slideLayout28.xml><?xml version="1.0" encoding="utf-8"?>
 <p:sldLayout xmlns:a="http://schemas.openxmlformats.org/drawingml/2006/main" xmlns:r="http://schemas.openxmlformats.org/officeDocument/2006/relationships" xmlns:p="http://schemas.openxmlformats.org/presentationml/2006/main" type="objTx" preserve="1">
   <p:cSld name="Content with Caption">
     <p:spTree>
@@ -7355,6 +7279,294 @@
     <p:extLst>
       <p:ext uri="{BB962C8B-B14F-4D97-AF65-F5344CB8AC3E}">
         <p14:creationId xmlns:p14="http://schemas.microsoft.com/office/powerpoint/2010/main" val="3743233218"/>
+      </p:ext>
+    </p:extLst>
+  </p:cSld>
+  <p:clrMapOvr>
+    <a:masterClrMapping/>
+  </p:clrMapOvr>
+</p:sldLayout>
+</file>
+
+<file path=ppt/slideLayouts/slideLayout29.xml><?xml version="1.0" encoding="utf-8"?>
+<p:sldLayout xmlns:a="http://schemas.openxmlformats.org/drawingml/2006/main" xmlns:r="http://schemas.openxmlformats.org/officeDocument/2006/relationships" xmlns:p="http://schemas.openxmlformats.org/presentationml/2006/main" type="picTx" preserve="1">
+  <p:cSld name="Picture with Caption">
+    <p:spTree>
+      <p:nvGrpSpPr>
+        <p:cNvPr id="1" name=""/>
+        <p:cNvGrpSpPr/>
+        <p:nvPr/>
+      </p:nvGrpSpPr>
+      <p:grpSpPr>
+        <a:xfrm>
+          <a:off x="0" y="0"/>
+          <a:ext cx="0" cy="0"/>
+          <a:chOff x="0" y="0"/>
+          <a:chExt cx="0" cy="0"/>
+        </a:xfrm>
+      </p:grpSpPr>
+      <p:sp>
+        <p:nvSpPr>
+          <p:cNvPr id="2" name="Title 1">
+            <a:extLst>
+              <a:ext uri="{FF2B5EF4-FFF2-40B4-BE49-F238E27FC236}">
+                <a16:creationId xmlns:a16="http://schemas.microsoft.com/office/drawing/2014/main" id="{ECBC6A70-B9C8-4C9A-8C1A-2B5D51C815D2}"/>
+              </a:ext>
+            </a:extLst>
+          </p:cNvPr>
+          <p:cNvSpPr>
+            <a:spLocks noGrp="1"/>
+          </p:cNvSpPr>
+          <p:nvPr>
+            <p:ph type="title"/>
+          </p:nvPr>
+        </p:nvSpPr>
+        <p:spPr>
+          <a:xfrm>
+            <a:off x="630238" y="342900"/>
+            <a:ext cx="2949575" cy="1200150"/>
+          </a:xfrm>
+        </p:spPr>
+        <p:txBody>
+          <a:bodyPr anchor="b"/>
+          <a:lstStyle>
+            <a:lvl1pPr>
+              <a:defRPr sz="3200"/>
+            </a:lvl1pPr>
+          </a:lstStyle>
+          <a:p>
+            <a:r>
+              <a:rPr lang="en-US"/>
+              <a:t>Click to edit Master title style</a:t>
+            </a:r>
+          </a:p>
+        </p:txBody>
+      </p:sp>
+      <p:sp>
+        <p:nvSpPr>
+          <p:cNvPr id="3" name="Picture Placeholder 2">
+            <a:extLst>
+              <a:ext uri="{FF2B5EF4-FFF2-40B4-BE49-F238E27FC236}">
+                <a16:creationId xmlns:a16="http://schemas.microsoft.com/office/drawing/2014/main" id="{03966696-25F2-4534-8C0B-68E8ACA7D86C}"/>
+              </a:ext>
+            </a:extLst>
+          </p:cNvPr>
+          <p:cNvSpPr>
+            <a:spLocks noGrp="1"/>
+          </p:cNvSpPr>
+          <p:nvPr>
+            <p:ph type="pic" idx="1"/>
+          </p:nvPr>
+        </p:nvSpPr>
+        <p:spPr>
+          <a:xfrm>
+            <a:off x="3887788" y="741363"/>
+            <a:ext cx="4629150" cy="3654425"/>
+          </a:xfrm>
+        </p:spPr>
+        <p:txBody>
+          <a:bodyPr/>
+          <a:lstStyle>
+            <a:lvl1pPr marL="0" indent="0">
+              <a:buNone/>
+              <a:defRPr sz="3200"/>
+            </a:lvl1pPr>
+            <a:lvl2pPr marL="457200" indent="0">
+              <a:buNone/>
+              <a:defRPr sz="2800"/>
+            </a:lvl2pPr>
+            <a:lvl3pPr marL="914400" indent="0">
+              <a:buNone/>
+              <a:defRPr sz="2400"/>
+            </a:lvl3pPr>
+            <a:lvl4pPr marL="1371600" indent="0">
+              <a:buNone/>
+              <a:defRPr sz="2000"/>
+            </a:lvl4pPr>
+            <a:lvl5pPr marL="1828800" indent="0">
+              <a:buNone/>
+              <a:defRPr sz="2000"/>
+            </a:lvl5pPr>
+            <a:lvl6pPr marL="2286000" indent="0">
+              <a:buNone/>
+              <a:defRPr sz="2000"/>
+            </a:lvl6pPr>
+            <a:lvl7pPr marL="2743200" indent="0">
+              <a:buNone/>
+              <a:defRPr sz="2000"/>
+            </a:lvl7pPr>
+            <a:lvl8pPr marL="3200400" indent="0">
+              <a:buNone/>
+              <a:defRPr sz="2000"/>
+            </a:lvl8pPr>
+            <a:lvl9pPr marL="3657600" indent="0">
+              <a:buNone/>
+              <a:defRPr sz="2000"/>
+            </a:lvl9pPr>
+          </a:lstStyle>
+          <a:p>
+            <a:endParaRPr lang="en-US"/>
+          </a:p>
+        </p:txBody>
+      </p:sp>
+      <p:sp>
+        <p:nvSpPr>
+          <p:cNvPr id="4" name="Text Placeholder 3">
+            <a:extLst>
+              <a:ext uri="{FF2B5EF4-FFF2-40B4-BE49-F238E27FC236}">
+                <a16:creationId xmlns:a16="http://schemas.microsoft.com/office/drawing/2014/main" id="{D2FACA6A-5675-46FE-B594-30E5052F2955}"/>
+              </a:ext>
+            </a:extLst>
+          </p:cNvPr>
+          <p:cNvSpPr>
+            <a:spLocks noGrp="1"/>
+          </p:cNvSpPr>
+          <p:nvPr>
+            <p:ph type="body" sz="half" idx="2"/>
+          </p:nvPr>
+        </p:nvSpPr>
+        <p:spPr>
+          <a:xfrm>
+            <a:off x="630238" y="1543050"/>
+            <a:ext cx="2949575" cy="2859088"/>
+          </a:xfrm>
+        </p:spPr>
+        <p:txBody>
+          <a:bodyPr/>
+          <a:lstStyle>
+            <a:lvl1pPr marL="0" indent="0">
+              <a:buNone/>
+              <a:defRPr sz="1600"/>
+            </a:lvl1pPr>
+            <a:lvl2pPr marL="457200" indent="0">
+              <a:buNone/>
+              <a:defRPr sz="1400"/>
+            </a:lvl2pPr>
+            <a:lvl3pPr marL="914400" indent="0">
+              <a:buNone/>
+              <a:defRPr sz="1200"/>
+            </a:lvl3pPr>
+            <a:lvl4pPr marL="1371600" indent="0">
+              <a:buNone/>
+              <a:defRPr sz="1000"/>
+            </a:lvl4pPr>
+            <a:lvl5pPr marL="1828800" indent="0">
+              <a:buNone/>
+              <a:defRPr sz="1000"/>
+            </a:lvl5pPr>
+            <a:lvl6pPr marL="2286000" indent="0">
+              <a:buNone/>
+              <a:defRPr sz="1000"/>
+            </a:lvl6pPr>
+            <a:lvl7pPr marL="2743200" indent="0">
+              <a:buNone/>
+              <a:defRPr sz="1000"/>
+            </a:lvl7pPr>
+            <a:lvl8pPr marL="3200400" indent="0">
+              <a:buNone/>
+              <a:defRPr sz="1000"/>
+            </a:lvl8pPr>
+            <a:lvl9pPr marL="3657600" indent="0">
+              <a:buNone/>
+              <a:defRPr sz="1000"/>
+            </a:lvl9pPr>
+          </a:lstStyle>
+          <a:p>
+            <a:pPr lvl="0"/>
+            <a:r>
+              <a:rPr lang="en-US"/>
+              <a:t>Click to edit Master text styles</a:t>
+            </a:r>
+          </a:p>
+        </p:txBody>
+      </p:sp>
+      <p:sp>
+        <p:nvSpPr>
+          <p:cNvPr id="5" name="Date Placeholder 4">
+            <a:extLst>
+              <a:ext uri="{FF2B5EF4-FFF2-40B4-BE49-F238E27FC236}">
+                <a16:creationId xmlns:a16="http://schemas.microsoft.com/office/drawing/2014/main" id="{53100BB9-3287-415D-860F-18C516578ECD}"/>
+              </a:ext>
+            </a:extLst>
+          </p:cNvPr>
+          <p:cNvSpPr>
+            <a:spLocks noGrp="1"/>
+          </p:cNvSpPr>
+          <p:nvPr>
+            <p:ph type="dt" sz="half" idx="10"/>
+          </p:nvPr>
+        </p:nvSpPr>
+        <p:spPr/>
+        <p:txBody>
+          <a:bodyPr/>
+          <a:lstStyle/>
+          <a:p>
+            <a:fld id="{3D4F6B93-D04F-49C8-9836-89DA46339F9B}" type="datetimeFigureOut">
+              <a:rPr lang="en-US" smtClean="0"/>
+              <a:t>29-Sep-20</a:t>
+            </a:fld>
+            <a:endParaRPr lang="en-US"/>
+          </a:p>
+        </p:txBody>
+      </p:sp>
+      <p:sp>
+        <p:nvSpPr>
+          <p:cNvPr id="6" name="Footer Placeholder 5">
+            <a:extLst>
+              <a:ext uri="{FF2B5EF4-FFF2-40B4-BE49-F238E27FC236}">
+                <a16:creationId xmlns:a16="http://schemas.microsoft.com/office/drawing/2014/main" id="{AA1D4CC5-3F0E-4852-8CF3-7F1E755F6DD2}"/>
+              </a:ext>
+            </a:extLst>
+          </p:cNvPr>
+          <p:cNvSpPr>
+            <a:spLocks noGrp="1"/>
+          </p:cNvSpPr>
+          <p:nvPr>
+            <p:ph type="ftr" sz="quarter" idx="11"/>
+          </p:nvPr>
+        </p:nvSpPr>
+        <p:spPr/>
+        <p:txBody>
+          <a:bodyPr/>
+          <a:lstStyle/>
+          <a:p>
+            <a:endParaRPr lang="en-US"/>
+          </a:p>
+        </p:txBody>
+      </p:sp>
+      <p:sp>
+        <p:nvSpPr>
+          <p:cNvPr id="7" name="Slide Number Placeholder 6">
+            <a:extLst>
+              <a:ext uri="{FF2B5EF4-FFF2-40B4-BE49-F238E27FC236}">
+                <a16:creationId xmlns:a16="http://schemas.microsoft.com/office/drawing/2014/main" id="{3ADA2006-A4D4-406A-ABE0-4D2075DC1040}"/>
+              </a:ext>
+            </a:extLst>
+          </p:cNvPr>
+          <p:cNvSpPr>
+            <a:spLocks noGrp="1"/>
+          </p:cNvSpPr>
+          <p:nvPr>
+            <p:ph type="sldNum" sz="quarter" idx="12"/>
+          </p:nvPr>
+        </p:nvSpPr>
+        <p:spPr/>
+        <p:txBody>
+          <a:bodyPr/>
+          <a:lstStyle/>
+          <a:p>
+            <a:fld id="{D7B34452-C67A-46AE-ADFF-7CEF8D4DA2BF}" type="slidenum">
+              <a:rPr lang="en-US" smtClean="0"/>
+              <a:t>‹#›</a:t>
+            </a:fld>
+            <a:endParaRPr lang="en-US"/>
+          </a:p>
+        </p:txBody>
+      </p:sp>
+    </p:spTree>
+    <p:extLst>
+      <p:ext uri="{BB962C8B-B14F-4D97-AF65-F5344CB8AC3E}">
+        <p14:creationId xmlns:p14="http://schemas.microsoft.com/office/powerpoint/2010/main" val="4261984438"/>
       </p:ext>
     </p:extLst>
   </p:cSld>
@@ -7519,294 +7731,6 @@
 </file>
 
 <file path=ppt/slideLayouts/slideLayout30.xml><?xml version="1.0" encoding="utf-8"?>
-<p:sldLayout xmlns:a="http://schemas.openxmlformats.org/drawingml/2006/main" xmlns:r="http://schemas.openxmlformats.org/officeDocument/2006/relationships" xmlns:p="http://schemas.openxmlformats.org/presentationml/2006/main" type="picTx" preserve="1">
-  <p:cSld name="Picture with Caption">
-    <p:spTree>
-      <p:nvGrpSpPr>
-        <p:cNvPr id="1" name=""/>
-        <p:cNvGrpSpPr/>
-        <p:nvPr/>
-      </p:nvGrpSpPr>
-      <p:grpSpPr>
-        <a:xfrm>
-          <a:off x="0" y="0"/>
-          <a:ext cx="0" cy="0"/>
-          <a:chOff x="0" y="0"/>
-          <a:chExt cx="0" cy="0"/>
-        </a:xfrm>
-      </p:grpSpPr>
-      <p:sp>
-        <p:nvSpPr>
-          <p:cNvPr id="2" name="Title 1">
-            <a:extLst>
-              <a:ext uri="{FF2B5EF4-FFF2-40B4-BE49-F238E27FC236}">
-                <a16:creationId xmlns:a16="http://schemas.microsoft.com/office/drawing/2014/main" id="{ECBC6A70-B9C8-4C9A-8C1A-2B5D51C815D2}"/>
-              </a:ext>
-            </a:extLst>
-          </p:cNvPr>
-          <p:cNvSpPr>
-            <a:spLocks noGrp="1"/>
-          </p:cNvSpPr>
-          <p:nvPr>
-            <p:ph type="title"/>
-          </p:nvPr>
-        </p:nvSpPr>
-        <p:spPr>
-          <a:xfrm>
-            <a:off x="630238" y="342900"/>
-            <a:ext cx="2949575" cy="1200150"/>
-          </a:xfrm>
-        </p:spPr>
-        <p:txBody>
-          <a:bodyPr anchor="b"/>
-          <a:lstStyle>
-            <a:lvl1pPr>
-              <a:defRPr sz="3200"/>
-            </a:lvl1pPr>
-          </a:lstStyle>
-          <a:p>
-            <a:r>
-              <a:rPr lang="en-US"/>
-              <a:t>Click to edit Master title style</a:t>
-            </a:r>
-          </a:p>
-        </p:txBody>
-      </p:sp>
-      <p:sp>
-        <p:nvSpPr>
-          <p:cNvPr id="3" name="Picture Placeholder 2">
-            <a:extLst>
-              <a:ext uri="{FF2B5EF4-FFF2-40B4-BE49-F238E27FC236}">
-                <a16:creationId xmlns:a16="http://schemas.microsoft.com/office/drawing/2014/main" id="{03966696-25F2-4534-8C0B-68E8ACA7D86C}"/>
-              </a:ext>
-            </a:extLst>
-          </p:cNvPr>
-          <p:cNvSpPr>
-            <a:spLocks noGrp="1"/>
-          </p:cNvSpPr>
-          <p:nvPr>
-            <p:ph type="pic" idx="1"/>
-          </p:nvPr>
-        </p:nvSpPr>
-        <p:spPr>
-          <a:xfrm>
-            <a:off x="3887788" y="741363"/>
-            <a:ext cx="4629150" cy="3654425"/>
-          </a:xfrm>
-        </p:spPr>
-        <p:txBody>
-          <a:bodyPr/>
-          <a:lstStyle>
-            <a:lvl1pPr marL="0" indent="0">
-              <a:buNone/>
-              <a:defRPr sz="3200"/>
-            </a:lvl1pPr>
-            <a:lvl2pPr marL="457200" indent="0">
-              <a:buNone/>
-              <a:defRPr sz="2800"/>
-            </a:lvl2pPr>
-            <a:lvl3pPr marL="914400" indent="0">
-              <a:buNone/>
-              <a:defRPr sz="2400"/>
-            </a:lvl3pPr>
-            <a:lvl4pPr marL="1371600" indent="0">
-              <a:buNone/>
-              <a:defRPr sz="2000"/>
-            </a:lvl4pPr>
-            <a:lvl5pPr marL="1828800" indent="0">
-              <a:buNone/>
-              <a:defRPr sz="2000"/>
-            </a:lvl5pPr>
-            <a:lvl6pPr marL="2286000" indent="0">
-              <a:buNone/>
-              <a:defRPr sz="2000"/>
-            </a:lvl6pPr>
-            <a:lvl7pPr marL="2743200" indent="0">
-              <a:buNone/>
-              <a:defRPr sz="2000"/>
-            </a:lvl7pPr>
-            <a:lvl8pPr marL="3200400" indent="0">
-              <a:buNone/>
-              <a:defRPr sz="2000"/>
-            </a:lvl8pPr>
-            <a:lvl9pPr marL="3657600" indent="0">
-              <a:buNone/>
-              <a:defRPr sz="2000"/>
-            </a:lvl9pPr>
-          </a:lstStyle>
-          <a:p>
-            <a:endParaRPr lang="en-US"/>
-          </a:p>
-        </p:txBody>
-      </p:sp>
-      <p:sp>
-        <p:nvSpPr>
-          <p:cNvPr id="4" name="Text Placeholder 3">
-            <a:extLst>
-              <a:ext uri="{FF2B5EF4-FFF2-40B4-BE49-F238E27FC236}">
-                <a16:creationId xmlns:a16="http://schemas.microsoft.com/office/drawing/2014/main" id="{D2FACA6A-5675-46FE-B594-30E5052F2955}"/>
-              </a:ext>
-            </a:extLst>
-          </p:cNvPr>
-          <p:cNvSpPr>
-            <a:spLocks noGrp="1"/>
-          </p:cNvSpPr>
-          <p:nvPr>
-            <p:ph type="body" sz="half" idx="2"/>
-          </p:nvPr>
-        </p:nvSpPr>
-        <p:spPr>
-          <a:xfrm>
-            <a:off x="630238" y="1543050"/>
-            <a:ext cx="2949575" cy="2859088"/>
-          </a:xfrm>
-        </p:spPr>
-        <p:txBody>
-          <a:bodyPr/>
-          <a:lstStyle>
-            <a:lvl1pPr marL="0" indent="0">
-              <a:buNone/>
-              <a:defRPr sz="1600"/>
-            </a:lvl1pPr>
-            <a:lvl2pPr marL="457200" indent="0">
-              <a:buNone/>
-              <a:defRPr sz="1400"/>
-            </a:lvl2pPr>
-            <a:lvl3pPr marL="914400" indent="0">
-              <a:buNone/>
-              <a:defRPr sz="1200"/>
-            </a:lvl3pPr>
-            <a:lvl4pPr marL="1371600" indent="0">
-              <a:buNone/>
-              <a:defRPr sz="1000"/>
-            </a:lvl4pPr>
-            <a:lvl5pPr marL="1828800" indent="0">
-              <a:buNone/>
-              <a:defRPr sz="1000"/>
-            </a:lvl5pPr>
-            <a:lvl6pPr marL="2286000" indent="0">
-              <a:buNone/>
-              <a:defRPr sz="1000"/>
-            </a:lvl6pPr>
-            <a:lvl7pPr marL="2743200" indent="0">
-              <a:buNone/>
-              <a:defRPr sz="1000"/>
-            </a:lvl7pPr>
-            <a:lvl8pPr marL="3200400" indent="0">
-              <a:buNone/>
-              <a:defRPr sz="1000"/>
-            </a:lvl8pPr>
-            <a:lvl9pPr marL="3657600" indent="0">
-              <a:buNone/>
-              <a:defRPr sz="1000"/>
-            </a:lvl9pPr>
-          </a:lstStyle>
-          <a:p>
-            <a:pPr lvl="0"/>
-            <a:r>
-              <a:rPr lang="en-US"/>
-              <a:t>Click to edit Master text styles</a:t>
-            </a:r>
-          </a:p>
-        </p:txBody>
-      </p:sp>
-      <p:sp>
-        <p:nvSpPr>
-          <p:cNvPr id="5" name="Date Placeholder 4">
-            <a:extLst>
-              <a:ext uri="{FF2B5EF4-FFF2-40B4-BE49-F238E27FC236}">
-                <a16:creationId xmlns:a16="http://schemas.microsoft.com/office/drawing/2014/main" id="{53100BB9-3287-415D-860F-18C516578ECD}"/>
-              </a:ext>
-            </a:extLst>
-          </p:cNvPr>
-          <p:cNvSpPr>
-            <a:spLocks noGrp="1"/>
-          </p:cNvSpPr>
-          <p:nvPr>
-            <p:ph type="dt" sz="half" idx="10"/>
-          </p:nvPr>
-        </p:nvSpPr>
-        <p:spPr/>
-        <p:txBody>
-          <a:bodyPr/>
-          <a:lstStyle/>
-          <a:p>
-            <a:fld id="{3D4F6B93-D04F-49C8-9836-89DA46339F9B}" type="datetimeFigureOut">
-              <a:rPr lang="en-US" smtClean="0"/>
-              <a:t>29-Sep-20</a:t>
-            </a:fld>
-            <a:endParaRPr lang="en-US"/>
-          </a:p>
-        </p:txBody>
-      </p:sp>
-      <p:sp>
-        <p:nvSpPr>
-          <p:cNvPr id="6" name="Footer Placeholder 5">
-            <a:extLst>
-              <a:ext uri="{FF2B5EF4-FFF2-40B4-BE49-F238E27FC236}">
-                <a16:creationId xmlns:a16="http://schemas.microsoft.com/office/drawing/2014/main" id="{AA1D4CC5-3F0E-4852-8CF3-7F1E755F6DD2}"/>
-              </a:ext>
-            </a:extLst>
-          </p:cNvPr>
-          <p:cNvSpPr>
-            <a:spLocks noGrp="1"/>
-          </p:cNvSpPr>
-          <p:nvPr>
-            <p:ph type="ftr" sz="quarter" idx="11"/>
-          </p:nvPr>
-        </p:nvSpPr>
-        <p:spPr/>
-        <p:txBody>
-          <a:bodyPr/>
-          <a:lstStyle/>
-          <a:p>
-            <a:endParaRPr lang="en-US"/>
-          </a:p>
-        </p:txBody>
-      </p:sp>
-      <p:sp>
-        <p:nvSpPr>
-          <p:cNvPr id="7" name="Slide Number Placeholder 6">
-            <a:extLst>
-              <a:ext uri="{FF2B5EF4-FFF2-40B4-BE49-F238E27FC236}">
-                <a16:creationId xmlns:a16="http://schemas.microsoft.com/office/drawing/2014/main" id="{3ADA2006-A4D4-406A-ABE0-4D2075DC1040}"/>
-              </a:ext>
-            </a:extLst>
-          </p:cNvPr>
-          <p:cNvSpPr>
-            <a:spLocks noGrp="1"/>
-          </p:cNvSpPr>
-          <p:nvPr>
-            <p:ph type="sldNum" sz="quarter" idx="12"/>
-          </p:nvPr>
-        </p:nvSpPr>
-        <p:spPr/>
-        <p:txBody>
-          <a:bodyPr/>
-          <a:lstStyle/>
-          <a:p>
-            <a:fld id="{D7B34452-C67A-46AE-ADFF-7CEF8D4DA2BF}" type="slidenum">
-              <a:rPr lang="en-US" smtClean="0"/>
-              <a:t>‹#›</a:t>
-            </a:fld>
-            <a:endParaRPr lang="en-US"/>
-          </a:p>
-        </p:txBody>
-      </p:sp>
-    </p:spTree>
-    <p:extLst>
-      <p:ext uri="{BB962C8B-B14F-4D97-AF65-F5344CB8AC3E}">
-        <p14:creationId xmlns:p14="http://schemas.microsoft.com/office/powerpoint/2010/main" val="4261984438"/>
-      </p:ext>
-    </p:extLst>
-  </p:cSld>
-  <p:clrMapOvr>
-    <a:masterClrMapping/>
-  </p:clrMapOvr>
-</p:sldLayout>
-</file>
-
-<file path=ppt/slideLayouts/slideLayout31.xml><?xml version="1.0" encoding="utf-8"?>
 <p:sldLayout xmlns:a="http://schemas.openxmlformats.org/drawingml/2006/main" xmlns:r="http://schemas.openxmlformats.org/officeDocument/2006/relationships" xmlns:p="http://schemas.openxmlformats.org/presentationml/2006/main" type="vertTx" preserve="1">
   <p:cSld name="Title and Vertical Text">
     <p:spTree>
@@ -8004,7 +7928,7 @@
 </p:sldLayout>
 </file>
 
-<file path=ppt/slideLayouts/slideLayout32.xml><?xml version="1.0" encoding="utf-8"?>
+<file path=ppt/slideLayouts/slideLayout31.xml><?xml version="1.0" encoding="utf-8"?>
 <p:sldLayout xmlns:a="http://schemas.openxmlformats.org/drawingml/2006/main" xmlns:r="http://schemas.openxmlformats.org/officeDocument/2006/relationships" xmlns:p="http://schemas.openxmlformats.org/presentationml/2006/main" type="vertTitleAndTx" preserve="1">
   <p:cSld name="Vertical Title and Text">
     <p:spTree>
@@ -9903,11 +9827,10 @@
     <p:sldLayoutId id="2147483770" r:id="rId14"/>
     <p:sldLayoutId id="2147483759" r:id="rId15"/>
     <p:sldLayoutId id="2147483758" r:id="rId16"/>
-    <p:sldLayoutId id="2147483771" r:id="rId17"/>
-    <p:sldLayoutId id="2147483772" r:id="rId18"/>
-    <p:sldLayoutId id="2147483785" r:id="rId19"/>
-    <p:sldLayoutId id="2147483786" r:id="rId20"/>
-    <p:sldLayoutId id="2147483787" r:id="rId21"/>
+    <p:sldLayoutId id="2147483772" r:id="rId17"/>
+    <p:sldLayoutId id="2147483785" r:id="rId18"/>
+    <p:sldLayoutId id="2147483786" r:id="rId19"/>
+    <p:sldLayoutId id="2147483787" r:id="rId20"/>
   </p:sldLayoutIdLst>
   <p:hf hdr="0" ftr="0" dt="0"/>
   <p:txStyles>
@@ -15161,102 +15084,10 @@
           </a:prstGeom>
         </p:spPr>
       </p:pic>
-      <p:cxnSp>
-        <p:nvCxnSpPr>
-          <p:cNvPr id="9" name="Straight Connector 8">
-            <a:extLst>
-              <a:ext uri="{FF2B5EF4-FFF2-40B4-BE49-F238E27FC236}">
-                <a16:creationId xmlns:a16="http://schemas.microsoft.com/office/drawing/2014/main" id="{3BAC050E-4F65-4B93-95BF-8992DF1D4053}"/>
-              </a:ext>
-            </a:extLst>
-          </p:cNvPr>
-          <p:cNvCxnSpPr/>
-          <p:nvPr/>
-        </p:nvCxnSpPr>
-        <p:spPr>
-          <a:xfrm>
-            <a:off x="3851920" y="34008"/>
-            <a:ext cx="0" cy="503585"/>
-          </a:xfrm>
-          <a:prstGeom prst="line">
-            <a:avLst/>
-          </a:prstGeom>
-          <a:ln w="12700">
-            <a:solidFill>
-              <a:srgbClr val="FFFF00"/>
-            </a:solidFill>
-          </a:ln>
-        </p:spPr>
-        <p:style>
-          <a:lnRef idx="1">
-            <a:schemeClr val="accent1"/>
-          </a:lnRef>
-          <a:fillRef idx="0">
-            <a:schemeClr val="accent1"/>
-          </a:fillRef>
-          <a:effectRef idx="0">
-            <a:schemeClr val="accent1"/>
-          </a:effectRef>
-          <a:fontRef idx="minor">
-            <a:schemeClr val="tx1"/>
-          </a:fontRef>
-        </p:style>
-      </p:cxnSp>
-      <p:sp>
-        <p:nvSpPr>
-          <p:cNvPr id="16" name="TextBox 15">
-            <a:extLst>
-              <a:ext uri="{FF2B5EF4-FFF2-40B4-BE49-F238E27FC236}">
-                <a16:creationId xmlns:a16="http://schemas.microsoft.com/office/drawing/2014/main" id="{3B6AE2BE-638B-4F02-837A-2FA99480E8B0}"/>
-              </a:ext>
-            </a:extLst>
-          </p:cNvPr>
-          <p:cNvSpPr txBox="1"/>
-          <p:nvPr/>
-        </p:nvSpPr>
-        <p:spPr>
-          <a:xfrm>
-            <a:off x="3923928" y="123255"/>
-            <a:ext cx="891591" cy="215444"/>
-          </a:xfrm>
-          <a:prstGeom prst="rect">
-            <a:avLst/>
-          </a:prstGeom>
-          <a:noFill/>
-        </p:spPr>
-        <p:txBody>
-          <a:bodyPr wrap="none" rtlCol="0">
-            <a:spAutoFit/>
-          </a:bodyPr>
-          <a:lstStyle/>
-          <a:p>
-            <a:pPr algn="l"/>
-            <a:r>
-              <a:rPr lang="en-US" sz="800" b="0" i="0" dirty="0">
-                <a:solidFill>
-                  <a:srgbClr val="FFFF00"/>
-                </a:solidFill>
-                <a:latin typeface="Open Sans" panose="020B0606030504020204" pitchFamily="34" charset="0"/>
-                <a:ea typeface="Open Sans" panose="020B0606030504020204" pitchFamily="34" charset="0"/>
-                <a:cs typeface="Open Sans" panose="020B0606030504020204" pitchFamily="34" charset="0"/>
-              </a:rPr>
-              <a:t>model imports</a:t>
-            </a:r>
-            <a:endParaRPr lang="en-GB" sz="800" b="0" i="0" dirty="0">
-              <a:solidFill>
-                <a:srgbClr val="FFFF00"/>
-              </a:solidFill>
-              <a:latin typeface="Open Sans" panose="020B0606030504020204" pitchFamily="34" charset="0"/>
-              <a:ea typeface="Open Sans" panose="020B0606030504020204" pitchFamily="34" charset="0"/>
-              <a:cs typeface="Open Sans" panose="020B0606030504020204" pitchFamily="34" charset="0"/>
-            </a:endParaRPr>
-          </a:p>
-        </p:txBody>
-      </p:sp>
     </p:spTree>
     <p:extLst>
       <p:ext uri="{BB962C8B-B14F-4D97-AF65-F5344CB8AC3E}">
-        <p14:creationId xmlns:p14="http://schemas.microsoft.com/office/powerpoint/2010/main" val="193847825"/>
+        <p14:creationId xmlns:p14="http://schemas.microsoft.com/office/powerpoint/2010/main" val="724629996"/>
       </p:ext>
     </p:extLst>
   </p:cSld>
@@ -17186,22 +17017,20 @@
       </p:pic>
       <p:cxnSp>
         <p:nvCxnSpPr>
-          <p:cNvPr id="17" name="Straight Connector 16">
-            <a:extLst>
-              <a:ext uri="{FF2B5EF4-FFF2-40B4-BE49-F238E27FC236}">
-                <a16:creationId xmlns:a16="http://schemas.microsoft.com/office/drawing/2014/main" id="{1C26F92F-843E-45D9-8482-0926DA904C3A}"/>
-              </a:ext>
-            </a:extLst>
-          </p:cNvPr>
-          <p:cNvCxnSpPr>
-            <a:cxnSpLocks/>
-          </p:cNvCxnSpPr>
+          <p:cNvPr id="9" name="Straight Connector 8">
+            <a:extLst>
+              <a:ext uri="{FF2B5EF4-FFF2-40B4-BE49-F238E27FC236}">
+                <a16:creationId xmlns:a16="http://schemas.microsoft.com/office/drawing/2014/main" id="{3BAC050E-4F65-4B93-95BF-8992DF1D4053}"/>
+              </a:ext>
+            </a:extLst>
+          </p:cNvPr>
+          <p:cNvCxnSpPr/>
           <p:nvPr/>
         </p:nvCxnSpPr>
         <p:spPr>
           <a:xfrm>
-            <a:off x="3851920" y="564739"/>
-            <a:ext cx="0" cy="422835"/>
+            <a:off x="3851920" y="34008"/>
+            <a:ext cx="0" cy="503585"/>
           </a:xfrm>
           <a:prstGeom prst="line">
             <a:avLst/>
@@ -17229,10 +17058,10 @@
       </p:cxnSp>
       <p:sp>
         <p:nvSpPr>
-          <p:cNvPr id="19" name="TextBox 18">
-            <a:extLst>
-              <a:ext uri="{FF2B5EF4-FFF2-40B4-BE49-F238E27FC236}">
-                <a16:creationId xmlns:a16="http://schemas.microsoft.com/office/drawing/2014/main" id="{636D7DE6-2938-446B-9CF8-7B48E8E0C9A8}"/>
+          <p:cNvPr id="16" name="TextBox 15">
+            <a:extLst>
+              <a:ext uri="{FF2B5EF4-FFF2-40B4-BE49-F238E27FC236}">
+                <a16:creationId xmlns:a16="http://schemas.microsoft.com/office/drawing/2014/main" id="{3B6AE2BE-638B-4F02-837A-2FA99480E8B0}"/>
               </a:ext>
             </a:extLst>
           </p:cNvPr>
@@ -17241,8 +17070,8 @@
         </p:nvSpPr>
         <p:spPr>
           <a:xfrm>
-            <a:off x="3923928" y="653986"/>
-            <a:ext cx="1296144" cy="215444"/>
+            <a:off x="3923928" y="123255"/>
+            <a:ext cx="891591" cy="215444"/>
           </a:xfrm>
           <a:prstGeom prst="rect">
             <a:avLst/>
@@ -17250,7 +17079,7 @@
           <a:noFill/>
         </p:spPr>
         <p:txBody>
-          <a:bodyPr wrap="square" rtlCol="0">
+          <a:bodyPr wrap="none" rtlCol="0">
             <a:spAutoFit/>
           </a:bodyPr>
           <a:lstStyle/>
@@ -17265,7 +17094,7 @@
                 <a:ea typeface="Open Sans" panose="020B0606030504020204" pitchFamily="34" charset="0"/>
                 <a:cs typeface="Open Sans" panose="020B0606030504020204" pitchFamily="34" charset="0"/>
               </a:rPr>
-              <a:t>problem imports</a:t>
+              <a:t>model imports</a:t>
             </a:r>
             <a:endParaRPr lang="en-GB" sz="800" b="0" i="0" dirty="0">
               <a:solidFill>
@@ -17281,7 +17110,7 @@
     </p:spTree>
     <p:extLst>
       <p:ext uri="{BB962C8B-B14F-4D97-AF65-F5344CB8AC3E}">
-        <p14:creationId xmlns:p14="http://schemas.microsoft.com/office/powerpoint/2010/main" val="3913026156"/>
+        <p14:creationId xmlns:p14="http://schemas.microsoft.com/office/powerpoint/2010/main" val="193847825"/>
       </p:ext>
     </p:extLst>
   </p:cSld>
@@ -17370,10 +17199,10 @@
       </p:pic>
       <p:cxnSp>
         <p:nvCxnSpPr>
-          <p:cNvPr id="23" name="Straight Connector 22">
-            <a:extLst>
-              <a:ext uri="{FF2B5EF4-FFF2-40B4-BE49-F238E27FC236}">
-                <a16:creationId xmlns:a16="http://schemas.microsoft.com/office/drawing/2014/main" id="{D18F9F86-39ED-45D0-85E5-0CB0CE3F66AA}"/>
+          <p:cNvPr id="17" name="Straight Connector 16">
+            <a:extLst>
+              <a:ext uri="{FF2B5EF4-FFF2-40B4-BE49-F238E27FC236}">
+                <a16:creationId xmlns:a16="http://schemas.microsoft.com/office/drawing/2014/main" id="{1C26F92F-843E-45D9-8482-0926DA904C3A}"/>
               </a:ext>
             </a:extLst>
           </p:cNvPr>
@@ -17384,8 +17213,8 @@
         </p:nvCxnSpPr>
         <p:spPr>
           <a:xfrm>
-            <a:off x="3851920" y="1131590"/>
-            <a:ext cx="0" cy="360040"/>
+            <a:off x="3851920" y="564739"/>
+            <a:ext cx="0" cy="422835"/>
           </a:xfrm>
           <a:prstGeom prst="line">
             <a:avLst/>
@@ -17413,10 +17242,10 @@
       </p:cxnSp>
       <p:sp>
         <p:nvSpPr>
-          <p:cNvPr id="25" name="TextBox 24">
-            <a:extLst>
-              <a:ext uri="{FF2B5EF4-FFF2-40B4-BE49-F238E27FC236}">
-                <a16:creationId xmlns:a16="http://schemas.microsoft.com/office/drawing/2014/main" id="{D3A63D5F-DEBF-4AEB-8FBA-984C4EB82AE3}"/>
+          <p:cNvPr id="19" name="TextBox 18">
+            <a:extLst>
+              <a:ext uri="{FF2B5EF4-FFF2-40B4-BE49-F238E27FC236}">
+                <a16:creationId xmlns:a16="http://schemas.microsoft.com/office/drawing/2014/main" id="{636D7DE6-2938-446B-9CF8-7B48E8E0C9A8}"/>
               </a:ext>
             </a:extLst>
           </p:cNvPr>
@@ -17425,7 +17254,7 @@
         </p:nvSpPr>
         <p:spPr>
           <a:xfrm>
-            <a:off x="3923928" y="1203888"/>
+            <a:off x="3923928" y="653986"/>
             <a:ext cx="1296144" cy="215444"/>
           </a:xfrm>
           <a:prstGeom prst="rect">
@@ -17449,7 +17278,7 @@
                 <a:ea typeface="Open Sans" panose="020B0606030504020204" pitchFamily="34" charset="0"/>
                 <a:cs typeface="Open Sans" panose="020B0606030504020204" pitchFamily="34" charset="0"/>
               </a:rPr>
-              <a:t>Initialize a model</a:t>
+              <a:t>problem imports</a:t>
             </a:r>
             <a:endParaRPr lang="en-GB" sz="800" b="0" i="0" dirty="0">
               <a:solidFill>
@@ -17462,40 +17291,10 @@
           </a:p>
         </p:txBody>
       </p:sp>
-      <p:pic>
-        <p:nvPicPr>
-          <p:cNvPr id="14" name="Picture 13">
-            <a:extLst>
-              <a:ext uri="{FF2B5EF4-FFF2-40B4-BE49-F238E27FC236}">
-                <a16:creationId xmlns:a16="http://schemas.microsoft.com/office/drawing/2014/main" id="{7C410AB0-BAFB-48D9-AC44-3E847B88C3E6}"/>
-              </a:ext>
-            </a:extLst>
-          </p:cNvPr>
-          <p:cNvPicPr>
-            <a:picLocks noChangeAspect="1"/>
-          </p:cNvPicPr>
-          <p:nvPr/>
-        </p:nvPicPr>
-        <p:blipFill>
-          <a:blip r:embed="rId3"/>
-          <a:stretch>
-            <a:fillRect/>
-          </a:stretch>
-        </p:blipFill>
-        <p:spPr>
-          <a:xfrm>
-            <a:off x="5140247" y="375506"/>
-            <a:ext cx="3824366" cy="2232248"/>
-          </a:xfrm>
-          <a:prstGeom prst="rect">
-            <a:avLst/>
-          </a:prstGeom>
-        </p:spPr>
-      </p:pic>
     </p:spTree>
     <p:extLst>
       <p:ext uri="{BB962C8B-B14F-4D97-AF65-F5344CB8AC3E}">
-        <p14:creationId xmlns:p14="http://schemas.microsoft.com/office/powerpoint/2010/main" val="2279034831"/>
+        <p14:creationId xmlns:p14="http://schemas.microsoft.com/office/powerpoint/2010/main" val="3913026156"/>
       </p:ext>
     </p:extLst>
   </p:cSld>
@@ -17598,8 +17397,8 @@
         </p:nvCxnSpPr>
         <p:spPr>
           <a:xfrm>
-            <a:off x="3851920" y="1635646"/>
-            <a:ext cx="0" cy="576064"/>
+            <a:off x="3851920" y="1131590"/>
+            <a:ext cx="0" cy="360040"/>
           </a:xfrm>
           <a:prstGeom prst="line">
             <a:avLst/>
@@ -17639,7 +17438,7 @@
         </p:nvSpPr>
         <p:spPr>
           <a:xfrm>
-            <a:off x="3923928" y="1815956"/>
+            <a:off x="3923928" y="1203888"/>
             <a:ext cx="1296144" cy="215444"/>
           </a:xfrm>
           <a:prstGeom prst="rect">
@@ -17663,7 +17462,7 @@
                 <a:ea typeface="Open Sans" panose="020B0606030504020204" pitchFamily="34" charset="0"/>
                 <a:cs typeface="Open Sans" panose="020B0606030504020204" pitchFamily="34" charset="0"/>
               </a:rPr>
-              <a:t>create the geometry</a:t>
+              <a:t>Initialize a model</a:t>
             </a:r>
             <a:endParaRPr lang="en-GB" sz="800" b="0" i="0" dirty="0">
               <a:solidFill>
@@ -17676,10 +17475,40 @@
           </a:p>
         </p:txBody>
       </p:sp>
+      <p:pic>
+        <p:nvPicPr>
+          <p:cNvPr id="14" name="Picture 13">
+            <a:extLst>
+              <a:ext uri="{FF2B5EF4-FFF2-40B4-BE49-F238E27FC236}">
+                <a16:creationId xmlns:a16="http://schemas.microsoft.com/office/drawing/2014/main" id="{7C410AB0-BAFB-48D9-AC44-3E847B88C3E6}"/>
+              </a:ext>
+            </a:extLst>
+          </p:cNvPr>
+          <p:cNvPicPr>
+            <a:picLocks noChangeAspect="1"/>
+          </p:cNvPicPr>
+          <p:nvPr/>
+        </p:nvPicPr>
+        <p:blipFill>
+          <a:blip r:embed="rId3"/>
+          <a:stretch>
+            <a:fillRect/>
+          </a:stretch>
+        </p:blipFill>
+        <p:spPr>
+          <a:xfrm>
+            <a:off x="5140247" y="375506"/>
+            <a:ext cx="3824366" cy="2232248"/>
+          </a:xfrm>
+          <a:prstGeom prst="rect">
+            <a:avLst/>
+          </a:prstGeom>
+        </p:spPr>
+      </p:pic>
     </p:spTree>
     <p:extLst>
       <p:ext uri="{BB962C8B-B14F-4D97-AF65-F5344CB8AC3E}">
-        <p14:creationId xmlns:p14="http://schemas.microsoft.com/office/powerpoint/2010/main" val="2554927260"/>
+        <p14:creationId xmlns:p14="http://schemas.microsoft.com/office/powerpoint/2010/main" val="2279034831"/>
       </p:ext>
     </p:extLst>
   </p:cSld>
@@ -17782,8 +17611,8 @@
         </p:nvCxnSpPr>
         <p:spPr>
           <a:xfrm>
-            <a:off x="3851920" y="2283718"/>
-            <a:ext cx="0" cy="215900"/>
+            <a:off x="3851920" y="1635646"/>
+            <a:ext cx="0" cy="576064"/>
           </a:xfrm>
           <a:prstGeom prst="line">
             <a:avLst/>
@@ -17823,7 +17652,7 @@
         </p:nvSpPr>
         <p:spPr>
           <a:xfrm>
-            <a:off x="3923928" y="2283718"/>
+            <a:off x="3923928" y="1815956"/>
             <a:ext cx="1296144" cy="215444"/>
           </a:xfrm>
           <a:prstGeom prst="rect">
@@ -17847,7 +17676,7 @@
                 <a:ea typeface="Open Sans" panose="020B0606030504020204" pitchFamily="34" charset="0"/>
                 <a:cs typeface="Open Sans" panose="020B0606030504020204" pitchFamily="34" charset="0"/>
               </a:rPr>
-              <a:t>define materials</a:t>
+              <a:t>create the geometry</a:t>
             </a:r>
             <a:endParaRPr lang="en-GB" sz="800" b="0" i="0" dirty="0">
               <a:solidFill>
@@ -17860,70 +17689,10 @@
           </a:p>
         </p:txBody>
       </p:sp>
-      <p:pic>
-        <p:nvPicPr>
-          <p:cNvPr id="10" name="Picture 9">
-            <a:extLst>
-              <a:ext uri="{FF2B5EF4-FFF2-40B4-BE49-F238E27FC236}">
-                <a16:creationId xmlns:a16="http://schemas.microsoft.com/office/drawing/2014/main" id="{2E3D923D-F057-44E7-BA09-C06A008B318E}"/>
-              </a:ext>
-            </a:extLst>
-          </p:cNvPr>
-          <p:cNvPicPr>
-            <a:picLocks noChangeAspect="1"/>
-          </p:cNvPicPr>
-          <p:nvPr/>
-        </p:nvPicPr>
-        <p:blipFill>
-          <a:blip r:embed="rId3"/>
-          <a:stretch>
-            <a:fillRect/>
-          </a:stretch>
-        </p:blipFill>
-        <p:spPr>
-          <a:xfrm>
-            <a:off x="5085387" y="141825"/>
-            <a:ext cx="3848941" cy="2214025"/>
-          </a:xfrm>
-          <a:prstGeom prst="rect">
-            <a:avLst/>
-          </a:prstGeom>
-        </p:spPr>
-      </p:pic>
-      <p:pic>
-        <p:nvPicPr>
-          <p:cNvPr id="4" name="Picture 3">
-            <a:extLst>
-              <a:ext uri="{FF2B5EF4-FFF2-40B4-BE49-F238E27FC236}">
-                <a16:creationId xmlns:a16="http://schemas.microsoft.com/office/drawing/2014/main" id="{06C09D17-5083-45F2-A320-20BB289E46C1}"/>
-              </a:ext>
-            </a:extLst>
-          </p:cNvPr>
-          <p:cNvPicPr>
-            <a:picLocks noChangeAspect="1"/>
-          </p:cNvPicPr>
-          <p:nvPr/>
-        </p:nvPicPr>
-        <p:blipFill>
-          <a:blip r:embed="rId4"/>
-          <a:stretch>
-            <a:fillRect/>
-          </a:stretch>
-        </p:blipFill>
-        <p:spPr>
-          <a:xfrm>
-            <a:off x="6300192" y="2859782"/>
-            <a:ext cx="1824571" cy="1520476"/>
-          </a:xfrm>
-          <a:prstGeom prst="rect">
-            <a:avLst/>
-          </a:prstGeom>
-        </p:spPr>
-      </p:pic>
     </p:spTree>
     <p:extLst>
       <p:ext uri="{BB962C8B-B14F-4D97-AF65-F5344CB8AC3E}">
-        <p14:creationId xmlns:p14="http://schemas.microsoft.com/office/powerpoint/2010/main" val="2643338129"/>
+        <p14:creationId xmlns:p14="http://schemas.microsoft.com/office/powerpoint/2010/main" val="2554927260"/>
       </p:ext>
     </p:extLst>
   </p:cSld>
@@ -18026,7 +17795,7 @@
         </p:nvCxnSpPr>
         <p:spPr>
           <a:xfrm>
-            <a:off x="3851920" y="2574934"/>
+            <a:off x="3851920" y="2283718"/>
             <a:ext cx="0" cy="215900"/>
           </a:xfrm>
           <a:prstGeom prst="line">
@@ -18067,7 +17836,7 @@
         </p:nvSpPr>
         <p:spPr>
           <a:xfrm>
-            <a:off x="3923928" y="2574934"/>
+            <a:off x="3923928" y="2283718"/>
             <a:ext cx="1296144" cy="215444"/>
           </a:xfrm>
           <a:prstGeom prst="rect">
@@ -18091,7 +17860,7 @@
                 <a:ea typeface="Open Sans" panose="020B0606030504020204" pitchFamily="34" charset="0"/>
                 <a:cs typeface="Open Sans" panose="020B0606030504020204" pitchFamily="34" charset="0"/>
               </a:rPr>
-              <a:t>define sections</a:t>
+              <a:t>define materials</a:t>
             </a:r>
             <a:endParaRPr lang="en-GB" sz="800" b="0" i="0" dirty="0">
               <a:solidFill>
@@ -18106,10 +17875,10 @@
       </p:sp>
       <p:pic>
         <p:nvPicPr>
-          <p:cNvPr id="2" name="Picture 1">
-            <a:extLst>
-              <a:ext uri="{FF2B5EF4-FFF2-40B4-BE49-F238E27FC236}">
-                <a16:creationId xmlns:a16="http://schemas.microsoft.com/office/drawing/2014/main" id="{6C90732C-BA0D-4E97-953E-A7BB55A6B81C}"/>
+          <p:cNvPr id="10" name="Picture 9">
+            <a:extLst>
+              <a:ext uri="{FF2B5EF4-FFF2-40B4-BE49-F238E27FC236}">
+                <a16:creationId xmlns:a16="http://schemas.microsoft.com/office/drawing/2014/main" id="{2E3D923D-F057-44E7-BA09-C06A008B318E}"/>
               </a:ext>
             </a:extLst>
           </p:cNvPr>
@@ -18118,15 +17887,16 @@
           </p:cNvPicPr>
           <p:nvPr/>
         </p:nvPicPr>
-        <p:blipFill rotWithShape="1">
+        <p:blipFill>
           <a:blip r:embed="rId3"/>
-          <a:srcRect l="1847" r="-1"/>
-          <a:stretch/>
+          <a:stretch>
+            <a:fillRect/>
+          </a:stretch>
         </p:blipFill>
         <p:spPr>
           <a:xfrm>
-            <a:off x="5101176" y="131349"/>
-            <a:ext cx="3827292" cy="2214025"/>
+            <a:off x="5085387" y="141825"/>
+            <a:ext cx="3848941" cy="2214025"/>
           </a:xfrm>
           <a:prstGeom prst="rect">
             <a:avLst/>
@@ -18135,10 +17905,10 @@
       </p:pic>
       <p:pic>
         <p:nvPicPr>
-          <p:cNvPr id="3" name="Picture 2">
-            <a:extLst>
-              <a:ext uri="{FF2B5EF4-FFF2-40B4-BE49-F238E27FC236}">
-                <a16:creationId xmlns:a16="http://schemas.microsoft.com/office/drawing/2014/main" id="{73934713-C13B-4CBC-8ACB-A7C0085436DF}"/>
+          <p:cNvPr id="4" name="Picture 3">
+            <a:extLst>
+              <a:ext uri="{FF2B5EF4-FFF2-40B4-BE49-F238E27FC236}">
+                <a16:creationId xmlns:a16="http://schemas.microsoft.com/office/drawing/2014/main" id="{06C09D17-5083-45F2-A320-20BB289E46C1}"/>
               </a:ext>
             </a:extLst>
           </p:cNvPr>
@@ -18155,8 +17925,8 @@
         </p:blipFill>
         <p:spPr>
           <a:xfrm>
-            <a:off x="6444208" y="2859782"/>
-            <a:ext cx="1301536" cy="2040246"/>
+            <a:off x="6300192" y="2859782"/>
+            <a:ext cx="1824571" cy="1520476"/>
           </a:xfrm>
           <a:prstGeom prst="rect">
             <a:avLst/>
@@ -18166,7 +17936,7 @@
     </p:spTree>
     <p:extLst>
       <p:ext uri="{BB962C8B-B14F-4D97-AF65-F5344CB8AC3E}">
-        <p14:creationId xmlns:p14="http://schemas.microsoft.com/office/powerpoint/2010/main" val="3278881359"/>
+        <p14:creationId xmlns:p14="http://schemas.microsoft.com/office/powerpoint/2010/main" val="2643338129"/>
       </p:ext>
     </p:extLst>
   </p:cSld>
@@ -18269,8 +18039,8 @@
         </p:nvCxnSpPr>
         <p:spPr>
           <a:xfrm>
-            <a:off x="3851920" y="2931790"/>
-            <a:ext cx="0" cy="360040"/>
+            <a:off x="3851920" y="2574934"/>
+            <a:ext cx="0" cy="215900"/>
           </a:xfrm>
           <a:prstGeom prst="line">
             <a:avLst/>
@@ -18310,7 +18080,7 @@
         </p:nvSpPr>
         <p:spPr>
           <a:xfrm>
-            <a:off x="3923928" y="3004088"/>
+            <a:off x="3923928" y="2574934"/>
             <a:ext cx="1296144" cy="215444"/>
           </a:xfrm>
           <a:prstGeom prst="rect">
@@ -18334,7 +18104,7 @@
                 <a:ea typeface="Open Sans" panose="020B0606030504020204" pitchFamily="34" charset="0"/>
                 <a:cs typeface="Open Sans" panose="020B0606030504020204" pitchFamily="34" charset="0"/>
               </a:rPr>
-              <a:t>define elements</a:t>
+              <a:t>define sections</a:t>
             </a:r>
             <a:endParaRPr lang="en-GB" sz="800" b="0" i="0" dirty="0">
               <a:solidFill>
@@ -18349,10 +18119,10 @@
       </p:sp>
       <p:pic>
         <p:nvPicPr>
-          <p:cNvPr id="5" name="Picture 4">
-            <a:extLst>
-              <a:ext uri="{FF2B5EF4-FFF2-40B4-BE49-F238E27FC236}">
-                <a16:creationId xmlns:a16="http://schemas.microsoft.com/office/drawing/2014/main" id="{4EC4C9A4-D5E3-438A-A0B9-AE4D147040D2}"/>
+          <p:cNvPr id="2" name="Picture 1">
+            <a:extLst>
+              <a:ext uri="{FF2B5EF4-FFF2-40B4-BE49-F238E27FC236}">
+                <a16:creationId xmlns:a16="http://schemas.microsoft.com/office/drawing/2014/main" id="{6C90732C-BA0D-4E97-953E-A7BB55A6B81C}"/>
               </a:ext>
             </a:extLst>
           </p:cNvPr>
@@ -18361,16 +18131,15 @@
           </p:cNvPicPr>
           <p:nvPr/>
         </p:nvPicPr>
-        <p:blipFill>
+        <p:blipFill rotWithShape="1">
           <a:blip r:embed="rId3"/>
-          <a:stretch>
-            <a:fillRect/>
-          </a:stretch>
+          <a:srcRect l="1847" r="-1"/>
+          <a:stretch/>
         </p:blipFill>
         <p:spPr>
           <a:xfrm>
-            <a:off x="5076056" y="149108"/>
-            <a:ext cx="3852412" cy="2233689"/>
+            <a:off x="5101176" y="131349"/>
+            <a:ext cx="3827292" cy="2214025"/>
           </a:xfrm>
           <a:prstGeom prst="rect">
             <a:avLst/>
@@ -18379,10 +18148,10 @@
       </p:pic>
       <p:pic>
         <p:nvPicPr>
-          <p:cNvPr id="7" name="Picture 6">
-            <a:extLst>
-              <a:ext uri="{FF2B5EF4-FFF2-40B4-BE49-F238E27FC236}">
-                <a16:creationId xmlns:a16="http://schemas.microsoft.com/office/drawing/2014/main" id="{209CE1FF-05D4-46E4-B75C-4D7D034FC0F2}"/>
+          <p:cNvPr id="3" name="Picture 2">
+            <a:extLst>
+              <a:ext uri="{FF2B5EF4-FFF2-40B4-BE49-F238E27FC236}">
+                <a16:creationId xmlns:a16="http://schemas.microsoft.com/office/drawing/2014/main" id="{73934713-C13B-4CBC-8ACB-A7C0085436DF}"/>
               </a:ext>
             </a:extLst>
           </p:cNvPr>
@@ -18399,8 +18168,8 @@
         </p:blipFill>
         <p:spPr>
           <a:xfrm>
-            <a:off x="6405271" y="2760704"/>
-            <a:ext cx="1298570" cy="1704373"/>
+            <a:off x="6444208" y="2859782"/>
+            <a:ext cx="1301536" cy="2040246"/>
           </a:xfrm>
           <a:prstGeom prst="rect">
             <a:avLst/>
@@ -18410,7 +18179,7 @@
     </p:spTree>
     <p:extLst>
       <p:ext uri="{BB962C8B-B14F-4D97-AF65-F5344CB8AC3E}">
-        <p14:creationId xmlns:p14="http://schemas.microsoft.com/office/powerpoint/2010/main" val="1715863976"/>
+        <p14:creationId xmlns:p14="http://schemas.microsoft.com/office/powerpoint/2010/main" val="3278881359"/>
       </p:ext>
     </p:extLst>
   </p:cSld>
@@ -18513,8 +18282,8 @@
         </p:nvCxnSpPr>
         <p:spPr>
           <a:xfrm>
-            <a:off x="3851920" y="3350267"/>
-            <a:ext cx="0" cy="287742"/>
+            <a:off x="3851920" y="2931790"/>
+            <a:ext cx="0" cy="360040"/>
           </a:xfrm>
           <a:prstGeom prst="line">
             <a:avLst/>
@@ -18554,7 +18323,7 @@
         </p:nvSpPr>
         <p:spPr>
           <a:xfrm>
-            <a:off x="3923928" y="3380918"/>
+            <a:off x="3923928" y="3004088"/>
             <a:ext cx="1296144" cy="215444"/>
           </a:xfrm>
           <a:prstGeom prst="rect">
@@ -18578,7 +18347,7 @@
                 <a:ea typeface="Open Sans" panose="020B0606030504020204" pitchFamily="34" charset="0"/>
                 <a:cs typeface="Open Sans" panose="020B0606030504020204" pitchFamily="34" charset="0"/>
               </a:rPr>
-              <a:t>define sets</a:t>
+              <a:t>define elements</a:t>
             </a:r>
             <a:endParaRPr lang="en-GB" sz="800" b="0" i="0" dirty="0">
               <a:solidFill>
@@ -18593,10 +18362,10 @@
       </p:sp>
       <p:pic>
         <p:nvPicPr>
-          <p:cNvPr id="10" name="Picture 9">
-            <a:extLst>
-              <a:ext uri="{FF2B5EF4-FFF2-40B4-BE49-F238E27FC236}">
-                <a16:creationId xmlns:a16="http://schemas.microsoft.com/office/drawing/2014/main" id="{3A135100-A355-40A3-9117-BE0F0DEE6949}"/>
+          <p:cNvPr id="5" name="Picture 4">
+            <a:extLst>
+              <a:ext uri="{FF2B5EF4-FFF2-40B4-BE49-F238E27FC236}">
+                <a16:creationId xmlns:a16="http://schemas.microsoft.com/office/drawing/2014/main" id="{4EC4C9A4-D5E3-438A-A0B9-AE4D147040D2}"/>
               </a:ext>
             </a:extLst>
           </p:cNvPr>
@@ -18613,8 +18382,38 @@
         </p:blipFill>
         <p:spPr>
           <a:xfrm>
-            <a:off x="5065246" y="151791"/>
-            <a:ext cx="3863222" cy="2231006"/>
+            <a:off x="5076056" y="149108"/>
+            <a:ext cx="3852412" cy="2233689"/>
+          </a:xfrm>
+          <a:prstGeom prst="rect">
+            <a:avLst/>
+          </a:prstGeom>
+        </p:spPr>
+      </p:pic>
+      <p:pic>
+        <p:nvPicPr>
+          <p:cNvPr id="7" name="Picture 6">
+            <a:extLst>
+              <a:ext uri="{FF2B5EF4-FFF2-40B4-BE49-F238E27FC236}">
+                <a16:creationId xmlns:a16="http://schemas.microsoft.com/office/drawing/2014/main" id="{209CE1FF-05D4-46E4-B75C-4D7D034FC0F2}"/>
+              </a:ext>
+            </a:extLst>
+          </p:cNvPr>
+          <p:cNvPicPr>
+            <a:picLocks noChangeAspect="1"/>
+          </p:cNvPicPr>
+          <p:nvPr/>
+        </p:nvPicPr>
+        <p:blipFill>
+          <a:blip r:embed="rId4"/>
+          <a:stretch>
+            <a:fillRect/>
+          </a:stretch>
+        </p:blipFill>
+        <p:spPr>
+          <a:xfrm>
+            <a:off x="6405271" y="2760704"/>
+            <a:ext cx="1298570" cy="1704373"/>
           </a:xfrm>
           <a:prstGeom prst="rect">
             <a:avLst/>
@@ -18624,7 +18423,7 @@
     </p:spTree>
     <p:extLst>
       <p:ext uri="{BB962C8B-B14F-4D97-AF65-F5344CB8AC3E}">
-        <p14:creationId xmlns:p14="http://schemas.microsoft.com/office/powerpoint/2010/main" val="2763813326"/>
+        <p14:creationId xmlns:p14="http://schemas.microsoft.com/office/powerpoint/2010/main" val="1715863976"/>
       </p:ext>
     </p:extLst>
   </p:cSld>
@@ -18727,8 +18526,8 @@
         </p:nvCxnSpPr>
         <p:spPr>
           <a:xfrm>
-            <a:off x="3851920" y="3795886"/>
-            <a:ext cx="0" cy="144016"/>
+            <a:off x="3851920" y="3350267"/>
+            <a:ext cx="0" cy="287742"/>
           </a:xfrm>
           <a:prstGeom prst="line">
             <a:avLst/>
@@ -18768,7 +18567,7 @@
         </p:nvSpPr>
         <p:spPr>
           <a:xfrm>
-            <a:off x="3923928" y="3760172"/>
+            <a:off x="3923928" y="3380918"/>
             <a:ext cx="1296144" cy="215444"/>
           </a:xfrm>
           <a:prstGeom prst="rect">
@@ -18792,7 +18591,7 @@
                 <a:ea typeface="Open Sans" panose="020B0606030504020204" pitchFamily="34" charset="0"/>
                 <a:cs typeface="Open Sans" panose="020B0606030504020204" pitchFamily="34" charset="0"/>
               </a:rPr>
-              <a:t>initialize Problem</a:t>
+              <a:t>define sets</a:t>
             </a:r>
             <a:endParaRPr lang="en-GB" sz="800" b="0" i="0" dirty="0">
               <a:solidFill>
@@ -18807,10 +18606,10 @@
       </p:sp>
       <p:pic>
         <p:nvPicPr>
-          <p:cNvPr id="2" name="Picture 1">
-            <a:extLst>
-              <a:ext uri="{FF2B5EF4-FFF2-40B4-BE49-F238E27FC236}">
-                <a16:creationId xmlns:a16="http://schemas.microsoft.com/office/drawing/2014/main" id="{99CF34D8-4AE8-422B-B803-2B42D558A31A}"/>
+          <p:cNvPr id="10" name="Picture 9">
+            <a:extLst>
+              <a:ext uri="{FF2B5EF4-FFF2-40B4-BE49-F238E27FC236}">
+                <a16:creationId xmlns:a16="http://schemas.microsoft.com/office/drawing/2014/main" id="{3A135100-A355-40A3-9117-BE0F0DEE6949}"/>
               </a:ext>
             </a:extLst>
           </p:cNvPr>
@@ -18827,8 +18626,8 @@
         </p:blipFill>
         <p:spPr>
           <a:xfrm>
-            <a:off x="5043576" y="151791"/>
-            <a:ext cx="3884892" cy="2142418"/>
+            <a:off x="5072070" y="151791"/>
+            <a:ext cx="3863222" cy="2231006"/>
           </a:xfrm>
           <a:prstGeom prst="rect">
             <a:avLst/>
@@ -18838,7 +18637,7 @@
     </p:spTree>
     <p:extLst>
       <p:ext uri="{BB962C8B-B14F-4D97-AF65-F5344CB8AC3E}">
-        <p14:creationId xmlns:p14="http://schemas.microsoft.com/office/powerpoint/2010/main" val="3483060438"/>
+        <p14:creationId xmlns:p14="http://schemas.microsoft.com/office/powerpoint/2010/main" val="2763813326"/>
       </p:ext>
     </p:extLst>
   </p:cSld>
@@ -18890,6 +18689,220 @@
               <a:rPr lang="de-DE" smtClean="0"/>
               <a:pPr/>
               <a:t>28</a:t>
+            </a:fld>
+            <a:endParaRPr lang="de-DE" dirty="0"/>
+          </a:p>
+        </p:txBody>
+      </p:sp>
+      <p:pic>
+        <p:nvPicPr>
+          <p:cNvPr id="6" name="Picture 5">
+            <a:extLst>
+              <a:ext uri="{FF2B5EF4-FFF2-40B4-BE49-F238E27FC236}">
+                <a16:creationId xmlns:a16="http://schemas.microsoft.com/office/drawing/2014/main" id="{29099447-6D3D-4639-85E7-D1796A866886}"/>
+              </a:ext>
+            </a:extLst>
+          </p:cNvPr>
+          <p:cNvPicPr>
+            <a:picLocks noChangeAspect="1"/>
+          </p:cNvPicPr>
+          <p:nvPr/>
+        </p:nvPicPr>
+        <p:blipFill>
+          <a:blip r:embed="rId2"/>
+          <a:stretch>
+            <a:fillRect/>
+          </a:stretch>
+        </p:blipFill>
+        <p:spPr>
+          <a:xfrm>
+            <a:off x="0" y="0"/>
+            <a:ext cx="9144000" cy="5143500"/>
+          </a:xfrm>
+          <a:prstGeom prst="rect">
+            <a:avLst/>
+          </a:prstGeom>
+        </p:spPr>
+      </p:pic>
+      <p:cxnSp>
+        <p:nvCxnSpPr>
+          <p:cNvPr id="23" name="Straight Connector 22">
+            <a:extLst>
+              <a:ext uri="{FF2B5EF4-FFF2-40B4-BE49-F238E27FC236}">
+                <a16:creationId xmlns:a16="http://schemas.microsoft.com/office/drawing/2014/main" id="{D18F9F86-39ED-45D0-85E5-0CB0CE3F66AA}"/>
+              </a:ext>
+            </a:extLst>
+          </p:cNvPr>
+          <p:cNvCxnSpPr>
+            <a:cxnSpLocks/>
+          </p:cNvCxnSpPr>
+          <p:nvPr/>
+        </p:nvCxnSpPr>
+        <p:spPr>
+          <a:xfrm>
+            <a:off x="3851920" y="3795886"/>
+            <a:ext cx="0" cy="144016"/>
+          </a:xfrm>
+          <a:prstGeom prst="line">
+            <a:avLst/>
+          </a:prstGeom>
+          <a:ln w="12700">
+            <a:solidFill>
+              <a:srgbClr val="FFFF00"/>
+            </a:solidFill>
+          </a:ln>
+        </p:spPr>
+        <p:style>
+          <a:lnRef idx="1">
+            <a:schemeClr val="accent1"/>
+          </a:lnRef>
+          <a:fillRef idx="0">
+            <a:schemeClr val="accent1"/>
+          </a:fillRef>
+          <a:effectRef idx="0">
+            <a:schemeClr val="accent1"/>
+          </a:effectRef>
+          <a:fontRef idx="minor">
+            <a:schemeClr val="tx1"/>
+          </a:fontRef>
+        </p:style>
+      </p:cxnSp>
+      <p:sp>
+        <p:nvSpPr>
+          <p:cNvPr id="25" name="TextBox 24">
+            <a:extLst>
+              <a:ext uri="{FF2B5EF4-FFF2-40B4-BE49-F238E27FC236}">
+                <a16:creationId xmlns:a16="http://schemas.microsoft.com/office/drawing/2014/main" id="{D3A63D5F-DEBF-4AEB-8FBA-984C4EB82AE3}"/>
+              </a:ext>
+            </a:extLst>
+          </p:cNvPr>
+          <p:cNvSpPr txBox="1"/>
+          <p:nvPr/>
+        </p:nvSpPr>
+        <p:spPr>
+          <a:xfrm>
+            <a:off x="3923928" y="3760172"/>
+            <a:ext cx="1296144" cy="215444"/>
+          </a:xfrm>
+          <a:prstGeom prst="rect">
+            <a:avLst/>
+          </a:prstGeom>
+          <a:noFill/>
+        </p:spPr>
+        <p:txBody>
+          <a:bodyPr wrap="square" rtlCol="0">
+            <a:spAutoFit/>
+          </a:bodyPr>
+          <a:lstStyle/>
+          <a:p>
+            <a:pPr algn="l"/>
+            <a:r>
+              <a:rPr lang="en-US" sz="800" b="0" i="0" dirty="0">
+                <a:solidFill>
+                  <a:srgbClr val="FFFF00"/>
+                </a:solidFill>
+                <a:latin typeface="Open Sans" panose="020B0606030504020204" pitchFamily="34" charset="0"/>
+                <a:ea typeface="Open Sans" panose="020B0606030504020204" pitchFamily="34" charset="0"/>
+                <a:cs typeface="Open Sans" panose="020B0606030504020204" pitchFamily="34" charset="0"/>
+              </a:rPr>
+              <a:t>initialize Problem</a:t>
+            </a:r>
+            <a:endParaRPr lang="en-GB" sz="800" b="0" i="0" dirty="0">
+              <a:solidFill>
+                <a:srgbClr val="FFFF00"/>
+              </a:solidFill>
+              <a:latin typeface="Open Sans" panose="020B0606030504020204" pitchFamily="34" charset="0"/>
+              <a:ea typeface="Open Sans" panose="020B0606030504020204" pitchFamily="34" charset="0"/>
+              <a:cs typeface="Open Sans" panose="020B0606030504020204" pitchFamily="34" charset="0"/>
+            </a:endParaRPr>
+          </a:p>
+        </p:txBody>
+      </p:sp>
+      <p:pic>
+        <p:nvPicPr>
+          <p:cNvPr id="2" name="Picture 1">
+            <a:extLst>
+              <a:ext uri="{FF2B5EF4-FFF2-40B4-BE49-F238E27FC236}">
+                <a16:creationId xmlns:a16="http://schemas.microsoft.com/office/drawing/2014/main" id="{99CF34D8-4AE8-422B-B803-2B42D558A31A}"/>
+              </a:ext>
+            </a:extLst>
+          </p:cNvPr>
+          <p:cNvPicPr>
+            <a:picLocks noChangeAspect="1"/>
+          </p:cNvPicPr>
+          <p:nvPr/>
+        </p:nvPicPr>
+        <p:blipFill>
+          <a:blip r:embed="rId3"/>
+          <a:stretch>
+            <a:fillRect/>
+          </a:stretch>
+        </p:blipFill>
+        <p:spPr>
+          <a:xfrm>
+            <a:off x="5050400" y="151791"/>
+            <a:ext cx="3884892" cy="2142418"/>
+          </a:xfrm>
+          <a:prstGeom prst="rect">
+            <a:avLst/>
+          </a:prstGeom>
+        </p:spPr>
+      </p:pic>
+    </p:spTree>
+    <p:extLst>
+      <p:ext uri="{BB962C8B-B14F-4D97-AF65-F5344CB8AC3E}">
+        <p14:creationId xmlns:p14="http://schemas.microsoft.com/office/powerpoint/2010/main" val="3483060438"/>
+      </p:ext>
+    </p:extLst>
+  </p:cSld>
+  <p:clrMapOvr>
+    <a:masterClrMapping/>
+  </p:clrMapOvr>
+</p:sld>
+</file>
+
+<file path=ppt/slides/slide29.xml><?xml version="1.0" encoding="utf-8"?>
+<p:sld xmlns:a="http://schemas.openxmlformats.org/drawingml/2006/main" xmlns:r="http://schemas.openxmlformats.org/officeDocument/2006/relationships" xmlns:p="http://schemas.openxmlformats.org/presentationml/2006/main">
+  <p:cSld>
+    <p:spTree>
+      <p:nvGrpSpPr>
+        <p:cNvPr id="1" name=""/>
+        <p:cNvGrpSpPr/>
+        <p:nvPr/>
+      </p:nvGrpSpPr>
+      <p:grpSpPr>
+        <a:xfrm>
+          <a:off x="0" y="0"/>
+          <a:ext cx="0" cy="0"/>
+          <a:chOff x="0" y="0"/>
+          <a:chExt cx="0" cy="0"/>
+        </a:xfrm>
+      </p:grpSpPr>
+      <p:sp>
+        <p:nvSpPr>
+          <p:cNvPr id="24" name="Slide Number Placeholder 23">
+            <a:extLst>
+              <a:ext uri="{FF2B5EF4-FFF2-40B4-BE49-F238E27FC236}">
+                <a16:creationId xmlns:a16="http://schemas.microsoft.com/office/drawing/2014/main" id="{68D18E14-4BA4-5444-9B93-B2DC7B9A4533}"/>
+              </a:ext>
+            </a:extLst>
+          </p:cNvPr>
+          <p:cNvSpPr>
+            <a:spLocks noGrp="1"/>
+          </p:cNvSpPr>
+          <p:nvPr>
+            <p:ph type="sldNum" idx="12"/>
+          </p:nvPr>
+        </p:nvSpPr>
+        <p:spPr/>
+        <p:txBody>
+          <a:bodyPr/>
+          <a:lstStyle/>
+          <a:p>
+            <a:fld id="{135BD99D-F739-4C48-A769-D8C856C33304}" type="slidenum">
+              <a:rPr lang="de-DE" smtClean="0"/>
+              <a:pPr/>
+              <a:t>29</a:t>
             </a:fld>
             <a:endParaRPr lang="de-DE" dirty="0"/>
           </a:p>
@@ -19094,250 +19107,6 @@
     <p:extLst>
       <p:ext uri="{BB962C8B-B14F-4D97-AF65-F5344CB8AC3E}">
         <p14:creationId xmlns:p14="http://schemas.microsoft.com/office/powerpoint/2010/main" val="3515493431"/>
-      </p:ext>
-    </p:extLst>
-  </p:cSld>
-  <p:clrMapOvr>
-    <a:masterClrMapping/>
-  </p:clrMapOvr>
-</p:sld>
-</file>
-
-<file path=ppt/slides/slide29.xml><?xml version="1.0" encoding="utf-8"?>
-<p:sld xmlns:a="http://schemas.openxmlformats.org/drawingml/2006/main" xmlns:r="http://schemas.openxmlformats.org/officeDocument/2006/relationships" xmlns:p="http://schemas.openxmlformats.org/presentationml/2006/main">
-  <p:cSld>
-    <p:spTree>
-      <p:nvGrpSpPr>
-        <p:cNvPr id="1" name=""/>
-        <p:cNvGrpSpPr/>
-        <p:nvPr/>
-      </p:nvGrpSpPr>
-      <p:grpSpPr>
-        <a:xfrm>
-          <a:off x="0" y="0"/>
-          <a:ext cx="0" cy="0"/>
-          <a:chOff x="0" y="0"/>
-          <a:chExt cx="0" cy="0"/>
-        </a:xfrm>
-      </p:grpSpPr>
-      <p:sp>
-        <p:nvSpPr>
-          <p:cNvPr id="24" name="Slide Number Placeholder 23">
-            <a:extLst>
-              <a:ext uri="{FF2B5EF4-FFF2-40B4-BE49-F238E27FC236}">
-                <a16:creationId xmlns:a16="http://schemas.microsoft.com/office/drawing/2014/main" id="{68D18E14-4BA4-5444-9B93-B2DC7B9A4533}"/>
-              </a:ext>
-            </a:extLst>
-          </p:cNvPr>
-          <p:cNvSpPr>
-            <a:spLocks noGrp="1"/>
-          </p:cNvSpPr>
-          <p:nvPr>
-            <p:ph type="sldNum" idx="12"/>
-          </p:nvPr>
-        </p:nvSpPr>
-        <p:spPr/>
-        <p:txBody>
-          <a:bodyPr/>
-          <a:lstStyle/>
-          <a:p>
-            <a:fld id="{135BD99D-F739-4C48-A769-D8C856C33304}" type="slidenum">
-              <a:rPr lang="de-DE" smtClean="0"/>
-              <a:pPr/>
-              <a:t>29</a:t>
-            </a:fld>
-            <a:endParaRPr lang="de-DE" dirty="0"/>
-          </a:p>
-        </p:txBody>
-      </p:sp>
-      <p:pic>
-        <p:nvPicPr>
-          <p:cNvPr id="6" name="Picture 5">
-            <a:extLst>
-              <a:ext uri="{FF2B5EF4-FFF2-40B4-BE49-F238E27FC236}">
-                <a16:creationId xmlns:a16="http://schemas.microsoft.com/office/drawing/2014/main" id="{29099447-6D3D-4639-85E7-D1796A866886}"/>
-              </a:ext>
-            </a:extLst>
-          </p:cNvPr>
-          <p:cNvPicPr>
-            <a:picLocks noChangeAspect="1"/>
-          </p:cNvPicPr>
-          <p:nvPr/>
-        </p:nvPicPr>
-        <p:blipFill>
-          <a:blip r:embed="rId2"/>
-          <a:stretch>
-            <a:fillRect/>
-          </a:stretch>
-        </p:blipFill>
-        <p:spPr>
-          <a:xfrm>
-            <a:off x="0" y="0"/>
-            <a:ext cx="9144000" cy="5143500"/>
-          </a:xfrm>
-          <a:prstGeom prst="rect">
-            <a:avLst/>
-          </a:prstGeom>
-        </p:spPr>
-      </p:pic>
-      <p:cxnSp>
-        <p:nvCxnSpPr>
-          <p:cNvPr id="23" name="Straight Connector 22">
-            <a:extLst>
-              <a:ext uri="{FF2B5EF4-FFF2-40B4-BE49-F238E27FC236}">
-                <a16:creationId xmlns:a16="http://schemas.microsoft.com/office/drawing/2014/main" id="{D18F9F86-39ED-45D0-85E5-0CB0CE3F66AA}"/>
-              </a:ext>
-            </a:extLst>
-          </p:cNvPr>
-          <p:cNvCxnSpPr>
-            <a:cxnSpLocks/>
-          </p:cNvCxnSpPr>
-          <p:nvPr/>
-        </p:nvCxnSpPr>
-        <p:spPr>
-          <a:xfrm>
-            <a:off x="3851920" y="4263648"/>
-            <a:ext cx="0" cy="144016"/>
-          </a:xfrm>
-          <a:prstGeom prst="line">
-            <a:avLst/>
-          </a:prstGeom>
-          <a:ln w="12700">
-            <a:solidFill>
-              <a:srgbClr val="FFFF00"/>
-            </a:solidFill>
-          </a:ln>
-        </p:spPr>
-        <p:style>
-          <a:lnRef idx="1">
-            <a:schemeClr val="accent1"/>
-          </a:lnRef>
-          <a:fillRef idx="0">
-            <a:schemeClr val="accent1"/>
-          </a:fillRef>
-          <a:effectRef idx="0">
-            <a:schemeClr val="accent1"/>
-          </a:effectRef>
-          <a:fontRef idx="minor">
-            <a:schemeClr val="tx1"/>
-          </a:fontRef>
-        </p:style>
-      </p:cxnSp>
-      <p:sp>
-        <p:nvSpPr>
-          <p:cNvPr id="25" name="TextBox 24">
-            <a:extLst>
-              <a:ext uri="{FF2B5EF4-FFF2-40B4-BE49-F238E27FC236}">
-                <a16:creationId xmlns:a16="http://schemas.microsoft.com/office/drawing/2014/main" id="{D3A63D5F-DEBF-4AEB-8FBA-984C4EB82AE3}"/>
-              </a:ext>
-            </a:extLst>
-          </p:cNvPr>
-          <p:cNvSpPr txBox="1"/>
-          <p:nvPr/>
-        </p:nvSpPr>
-        <p:spPr>
-          <a:xfrm>
-            <a:off x="3923928" y="4227934"/>
-            <a:ext cx="1296144" cy="215444"/>
-          </a:xfrm>
-          <a:prstGeom prst="rect">
-            <a:avLst/>
-          </a:prstGeom>
-          <a:noFill/>
-        </p:spPr>
-        <p:txBody>
-          <a:bodyPr wrap="square" rtlCol="0">
-            <a:spAutoFit/>
-          </a:bodyPr>
-          <a:lstStyle/>
-          <a:p>
-            <a:pPr algn="l"/>
-            <a:r>
-              <a:rPr lang="en-US" sz="800" b="0" i="0" dirty="0">
-                <a:solidFill>
-                  <a:srgbClr val="FFFF00"/>
-                </a:solidFill>
-                <a:latin typeface="Open Sans" panose="020B0606030504020204" pitchFamily="34" charset="0"/>
-                <a:ea typeface="Open Sans" panose="020B0606030504020204" pitchFamily="34" charset="0"/>
-                <a:cs typeface="Open Sans" panose="020B0606030504020204" pitchFamily="34" charset="0"/>
-              </a:rPr>
-              <a:t>define loads</a:t>
-            </a:r>
-            <a:endParaRPr lang="en-GB" sz="800" b="0" i="0" dirty="0">
-              <a:solidFill>
-                <a:srgbClr val="FFFF00"/>
-              </a:solidFill>
-              <a:latin typeface="Open Sans" panose="020B0606030504020204" pitchFamily="34" charset="0"/>
-              <a:ea typeface="Open Sans" panose="020B0606030504020204" pitchFamily="34" charset="0"/>
-              <a:cs typeface="Open Sans" panose="020B0606030504020204" pitchFamily="34" charset="0"/>
-            </a:endParaRPr>
-          </a:p>
-        </p:txBody>
-      </p:sp>
-      <p:pic>
-        <p:nvPicPr>
-          <p:cNvPr id="2" name="Picture 1">
-            <a:extLst>
-              <a:ext uri="{FF2B5EF4-FFF2-40B4-BE49-F238E27FC236}">
-                <a16:creationId xmlns:a16="http://schemas.microsoft.com/office/drawing/2014/main" id="{145AFB85-D46F-44AD-872F-B83ED90FE04F}"/>
-              </a:ext>
-            </a:extLst>
-          </p:cNvPr>
-          <p:cNvPicPr>
-            <a:picLocks noChangeAspect="1"/>
-          </p:cNvPicPr>
-          <p:nvPr/>
-        </p:nvPicPr>
-        <p:blipFill>
-          <a:blip r:embed="rId3"/>
-          <a:stretch>
-            <a:fillRect/>
-          </a:stretch>
-        </p:blipFill>
-        <p:spPr>
-          <a:xfrm>
-            <a:off x="5004048" y="142596"/>
-            <a:ext cx="3888172" cy="2141122"/>
-          </a:xfrm>
-          <a:prstGeom prst="rect">
-            <a:avLst/>
-          </a:prstGeom>
-        </p:spPr>
-      </p:pic>
-      <p:pic>
-        <p:nvPicPr>
-          <p:cNvPr id="5" name="Picture 4">
-            <a:extLst>
-              <a:ext uri="{FF2B5EF4-FFF2-40B4-BE49-F238E27FC236}">
-                <a16:creationId xmlns:a16="http://schemas.microsoft.com/office/drawing/2014/main" id="{CD6F73B8-A9D5-40B0-B3BF-BA1C20BDE030}"/>
-              </a:ext>
-            </a:extLst>
-          </p:cNvPr>
-          <p:cNvPicPr>
-            <a:picLocks noChangeAspect="1"/>
-          </p:cNvPicPr>
-          <p:nvPr/>
-        </p:nvPicPr>
-        <p:blipFill>
-          <a:blip r:embed="rId4"/>
-          <a:stretch>
-            <a:fillRect/>
-          </a:stretch>
-        </p:blipFill>
-        <p:spPr>
-          <a:xfrm>
-            <a:off x="6444208" y="2818453"/>
-            <a:ext cx="1769428" cy="1608571"/>
-          </a:xfrm>
-          <a:prstGeom prst="rect">
-            <a:avLst/>
-          </a:prstGeom>
-        </p:spPr>
-      </p:pic>
-    </p:spTree>
-    <p:extLst>
-      <p:ext uri="{BB962C8B-B14F-4D97-AF65-F5344CB8AC3E}">
-        <p14:creationId xmlns:p14="http://schemas.microsoft.com/office/powerpoint/2010/main" val="2071109979"/>
       </p:ext>
     </p:extLst>
   </p:cSld>
@@ -21766,6 +21535,250 @@
         </p:nvCxnSpPr>
         <p:spPr>
           <a:xfrm>
+            <a:off x="3851920" y="4263648"/>
+            <a:ext cx="0" cy="144016"/>
+          </a:xfrm>
+          <a:prstGeom prst="line">
+            <a:avLst/>
+          </a:prstGeom>
+          <a:ln w="12700">
+            <a:solidFill>
+              <a:srgbClr val="FFFF00"/>
+            </a:solidFill>
+          </a:ln>
+        </p:spPr>
+        <p:style>
+          <a:lnRef idx="1">
+            <a:schemeClr val="accent1"/>
+          </a:lnRef>
+          <a:fillRef idx="0">
+            <a:schemeClr val="accent1"/>
+          </a:fillRef>
+          <a:effectRef idx="0">
+            <a:schemeClr val="accent1"/>
+          </a:effectRef>
+          <a:fontRef idx="minor">
+            <a:schemeClr val="tx1"/>
+          </a:fontRef>
+        </p:style>
+      </p:cxnSp>
+      <p:sp>
+        <p:nvSpPr>
+          <p:cNvPr id="25" name="TextBox 24">
+            <a:extLst>
+              <a:ext uri="{FF2B5EF4-FFF2-40B4-BE49-F238E27FC236}">
+                <a16:creationId xmlns:a16="http://schemas.microsoft.com/office/drawing/2014/main" id="{D3A63D5F-DEBF-4AEB-8FBA-984C4EB82AE3}"/>
+              </a:ext>
+            </a:extLst>
+          </p:cNvPr>
+          <p:cNvSpPr txBox="1"/>
+          <p:nvPr/>
+        </p:nvSpPr>
+        <p:spPr>
+          <a:xfrm>
+            <a:off x="3923928" y="4227934"/>
+            <a:ext cx="1296144" cy="215444"/>
+          </a:xfrm>
+          <a:prstGeom prst="rect">
+            <a:avLst/>
+          </a:prstGeom>
+          <a:noFill/>
+        </p:spPr>
+        <p:txBody>
+          <a:bodyPr wrap="square" rtlCol="0">
+            <a:spAutoFit/>
+          </a:bodyPr>
+          <a:lstStyle/>
+          <a:p>
+            <a:pPr algn="l"/>
+            <a:r>
+              <a:rPr lang="en-US" sz="800" b="0" i="0" dirty="0">
+                <a:solidFill>
+                  <a:srgbClr val="FFFF00"/>
+                </a:solidFill>
+                <a:latin typeface="Open Sans" panose="020B0606030504020204" pitchFamily="34" charset="0"/>
+                <a:ea typeface="Open Sans" panose="020B0606030504020204" pitchFamily="34" charset="0"/>
+                <a:cs typeface="Open Sans" panose="020B0606030504020204" pitchFamily="34" charset="0"/>
+              </a:rPr>
+              <a:t>define loads</a:t>
+            </a:r>
+            <a:endParaRPr lang="en-GB" sz="800" b="0" i="0" dirty="0">
+              <a:solidFill>
+                <a:srgbClr val="FFFF00"/>
+              </a:solidFill>
+              <a:latin typeface="Open Sans" panose="020B0606030504020204" pitchFamily="34" charset="0"/>
+              <a:ea typeface="Open Sans" panose="020B0606030504020204" pitchFamily="34" charset="0"/>
+              <a:cs typeface="Open Sans" panose="020B0606030504020204" pitchFamily="34" charset="0"/>
+            </a:endParaRPr>
+          </a:p>
+        </p:txBody>
+      </p:sp>
+      <p:pic>
+        <p:nvPicPr>
+          <p:cNvPr id="2" name="Picture 1">
+            <a:extLst>
+              <a:ext uri="{FF2B5EF4-FFF2-40B4-BE49-F238E27FC236}">
+                <a16:creationId xmlns:a16="http://schemas.microsoft.com/office/drawing/2014/main" id="{145AFB85-D46F-44AD-872F-B83ED90FE04F}"/>
+              </a:ext>
+            </a:extLst>
+          </p:cNvPr>
+          <p:cNvPicPr>
+            <a:picLocks noChangeAspect="1"/>
+          </p:cNvPicPr>
+          <p:nvPr/>
+        </p:nvPicPr>
+        <p:blipFill>
+          <a:blip r:embed="rId3"/>
+          <a:stretch>
+            <a:fillRect/>
+          </a:stretch>
+        </p:blipFill>
+        <p:spPr>
+          <a:xfrm>
+            <a:off x="5010872" y="142596"/>
+            <a:ext cx="3888172" cy="2141122"/>
+          </a:xfrm>
+          <a:prstGeom prst="rect">
+            <a:avLst/>
+          </a:prstGeom>
+        </p:spPr>
+      </p:pic>
+      <p:pic>
+        <p:nvPicPr>
+          <p:cNvPr id="5" name="Picture 4">
+            <a:extLst>
+              <a:ext uri="{FF2B5EF4-FFF2-40B4-BE49-F238E27FC236}">
+                <a16:creationId xmlns:a16="http://schemas.microsoft.com/office/drawing/2014/main" id="{CD6F73B8-A9D5-40B0-B3BF-BA1C20BDE030}"/>
+              </a:ext>
+            </a:extLst>
+          </p:cNvPr>
+          <p:cNvPicPr>
+            <a:picLocks noChangeAspect="1"/>
+          </p:cNvPicPr>
+          <p:nvPr/>
+        </p:nvPicPr>
+        <p:blipFill>
+          <a:blip r:embed="rId4"/>
+          <a:stretch>
+            <a:fillRect/>
+          </a:stretch>
+        </p:blipFill>
+        <p:spPr>
+          <a:xfrm>
+            <a:off x="6444208" y="2818453"/>
+            <a:ext cx="1769428" cy="1608571"/>
+          </a:xfrm>
+          <a:prstGeom prst="rect">
+            <a:avLst/>
+          </a:prstGeom>
+        </p:spPr>
+      </p:pic>
+    </p:spTree>
+    <p:extLst>
+      <p:ext uri="{BB962C8B-B14F-4D97-AF65-F5344CB8AC3E}">
+        <p14:creationId xmlns:p14="http://schemas.microsoft.com/office/powerpoint/2010/main" val="2071109979"/>
+      </p:ext>
+    </p:extLst>
+  </p:cSld>
+  <p:clrMapOvr>
+    <a:masterClrMapping/>
+  </p:clrMapOvr>
+</p:sld>
+</file>
+
+<file path=ppt/slides/slide31.xml><?xml version="1.0" encoding="utf-8"?>
+<p:sld xmlns:a="http://schemas.openxmlformats.org/drawingml/2006/main" xmlns:r="http://schemas.openxmlformats.org/officeDocument/2006/relationships" xmlns:p="http://schemas.openxmlformats.org/presentationml/2006/main">
+  <p:cSld>
+    <p:spTree>
+      <p:nvGrpSpPr>
+        <p:cNvPr id="1" name=""/>
+        <p:cNvGrpSpPr/>
+        <p:nvPr/>
+      </p:nvGrpSpPr>
+      <p:grpSpPr>
+        <a:xfrm>
+          <a:off x="0" y="0"/>
+          <a:ext cx="0" cy="0"/>
+          <a:chOff x="0" y="0"/>
+          <a:chExt cx="0" cy="0"/>
+        </a:xfrm>
+      </p:grpSpPr>
+      <p:sp>
+        <p:nvSpPr>
+          <p:cNvPr id="24" name="Slide Number Placeholder 23">
+            <a:extLst>
+              <a:ext uri="{FF2B5EF4-FFF2-40B4-BE49-F238E27FC236}">
+                <a16:creationId xmlns:a16="http://schemas.microsoft.com/office/drawing/2014/main" id="{68D18E14-4BA4-5444-9B93-B2DC7B9A4533}"/>
+              </a:ext>
+            </a:extLst>
+          </p:cNvPr>
+          <p:cNvSpPr>
+            <a:spLocks noGrp="1"/>
+          </p:cNvSpPr>
+          <p:nvPr>
+            <p:ph type="sldNum" idx="12"/>
+          </p:nvPr>
+        </p:nvSpPr>
+        <p:spPr/>
+        <p:txBody>
+          <a:bodyPr/>
+          <a:lstStyle/>
+          <a:p>
+            <a:fld id="{135BD99D-F739-4C48-A769-D8C856C33304}" type="slidenum">
+              <a:rPr lang="de-DE" smtClean="0"/>
+              <a:pPr/>
+              <a:t>31</a:t>
+            </a:fld>
+            <a:endParaRPr lang="de-DE" dirty="0"/>
+          </a:p>
+        </p:txBody>
+      </p:sp>
+      <p:pic>
+        <p:nvPicPr>
+          <p:cNvPr id="6" name="Picture 5">
+            <a:extLst>
+              <a:ext uri="{FF2B5EF4-FFF2-40B4-BE49-F238E27FC236}">
+                <a16:creationId xmlns:a16="http://schemas.microsoft.com/office/drawing/2014/main" id="{29099447-6D3D-4639-85E7-D1796A866886}"/>
+              </a:ext>
+            </a:extLst>
+          </p:cNvPr>
+          <p:cNvPicPr>
+            <a:picLocks noChangeAspect="1"/>
+          </p:cNvPicPr>
+          <p:nvPr/>
+        </p:nvPicPr>
+        <p:blipFill>
+          <a:blip r:embed="rId2"/>
+          <a:stretch>
+            <a:fillRect/>
+          </a:stretch>
+        </p:blipFill>
+        <p:spPr>
+          <a:xfrm>
+            <a:off x="0" y="0"/>
+            <a:ext cx="9144000" cy="5143500"/>
+          </a:xfrm>
+          <a:prstGeom prst="rect">
+            <a:avLst/>
+          </a:prstGeom>
+        </p:spPr>
+      </p:pic>
+      <p:cxnSp>
+        <p:nvCxnSpPr>
+          <p:cNvPr id="23" name="Straight Connector 22">
+            <a:extLst>
+              <a:ext uri="{FF2B5EF4-FFF2-40B4-BE49-F238E27FC236}">
+                <a16:creationId xmlns:a16="http://schemas.microsoft.com/office/drawing/2014/main" id="{D18F9F86-39ED-45D0-85E5-0CB0CE3F66AA}"/>
+              </a:ext>
+            </a:extLst>
+          </p:cNvPr>
+          <p:cNvCxnSpPr>
+            <a:cxnSpLocks/>
+          </p:cNvCxnSpPr>
+          <p:nvPr/>
+        </p:nvCxnSpPr>
+        <p:spPr>
+          <a:xfrm>
             <a:off x="3851920" y="4483487"/>
             <a:ext cx="0" cy="144016"/>
           </a:xfrm>
@@ -21909,7 +21922,7 @@
 </p:sld>
 </file>
 
-<file path=ppt/slides/slide31.xml><?xml version="1.0" encoding="utf-8"?>
+<file path=ppt/slides/slide32.xml><?xml version="1.0" encoding="utf-8"?>
 <p:sld xmlns:a="http://schemas.openxmlformats.org/drawingml/2006/main" xmlns:r="http://schemas.openxmlformats.org/officeDocument/2006/relationships" xmlns:p="http://schemas.openxmlformats.org/presentationml/2006/main">
   <p:cSld>
     <p:spTree>
@@ -21950,7 +21963,7 @@
             <a:fld id="{135BD99D-F739-4C48-A769-D8C856C33304}" type="slidenum">
               <a:rPr lang="de-DE" smtClean="0"/>
               <a:pPr/>
-              <a:t>31</a:t>
+              <a:t>32</a:t>
             </a:fld>
             <a:endParaRPr lang="de-DE" dirty="0"/>
           </a:p>
@@ -22144,235 +22157,6 @@
     <p:extLst>
       <p:ext uri="{BB962C8B-B14F-4D97-AF65-F5344CB8AC3E}">
         <p14:creationId xmlns:p14="http://schemas.microsoft.com/office/powerpoint/2010/main" val="895023287"/>
-      </p:ext>
-    </p:extLst>
-  </p:cSld>
-  <p:clrMapOvr>
-    <a:masterClrMapping/>
-  </p:clrMapOvr>
-</p:sld>
-</file>
-
-<file path=ppt/slides/slide32.xml><?xml version="1.0" encoding="utf-8"?>
-<p:sld xmlns:a="http://schemas.openxmlformats.org/drawingml/2006/main" xmlns:r="http://schemas.openxmlformats.org/officeDocument/2006/relationships" xmlns:p="http://schemas.openxmlformats.org/presentationml/2006/main">
-  <p:cSld>
-    <p:spTree>
-      <p:nvGrpSpPr>
-        <p:cNvPr id="1" name=""/>
-        <p:cNvGrpSpPr/>
-        <p:nvPr/>
-      </p:nvGrpSpPr>
-      <p:grpSpPr>
-        <a:xfrm>
-          <a:off x="0" y="0"/>
-          <a:ext cx="0" cy="0"/>
-          <a:chOff x="0" y="0"/>
-          <a:chExt cx="0" cy="0"/>
-        </a:xfrm>
-      </p:grpSpPr>
-      <p:sp>
-        <p:nvSpPr>
-          <p:cNvPr id="24" name="Slide Number Placeholder 23">
-            <a:extLst>
-              <a:ext uri="{FF2B5EF4-FFF2-40B4-BE49-F238E27FC236}">
-                <a16:creationId xmlns:a16="http://schemas.microsoft.com/office/drawing/2014/main" id="{68D18E14-4BA4-5444-9B93-B2DC7B9A4533}"/>
-              </a:ext>
-            </a:extLst>
-          </p:cNvPr>
-          <p:cNvSpPr>
-            <a:spLocks noGrp="1"/>
-          </p:cNvSpPr>
-          <p:nvPr>
-            <p:ph type="sldNum" idx="12"/>
-          </p:nvPr>
-        </p:nvSpPr>
-        <p:spPr/>
-        <p:txBody>
-          <a:bodyPr/>
-          <a:lstStyle/>
-          <a:p>
-            <a:fld id="{135BD99D-F739-4C48-A769-D8C856C33304}" type="slidenum">
-              <a:rPr lang="de-DE" smtClean="0"/>
-              <a:pPr/>
-              <a:t>32</a:t>
-            </a:fld>
-            <a:endParaRPr lang="de-DE" dirty="0"/>
-          </a:p>
-        </p:txBody>
-      </p:sp>
-      <p:pic>
-        <p:nvPicPr>
-          <p:cNvPr id="6" name="Picture 5">
-            <a:extLst>
-              <a:ext uri="{FF2B5EF4-FFF2-40B4-BE49-F238E27FC236}">
-                <a16:creationId xmlns:a16="http://schemas.microsoft.com/office/drawing/2014/main" id="{29099447-6D3D-4639-85E7-D1796A866886}"/>
-              </a:ext>
-            </a:extLst>
-          </p:cNvPr>
-          <p:cNvPicPr>
-            <a:picLocks noChangeAspect="1"/>
-          </p:cNvPicPr>
-          <p:nvPr/>
-        </p:nvPicPr>
-        <p:blipFill>
-          <a:blip r:embed="rId2"/>
-          <a:stretch>
-            <a:fillRect/>
-          </a:stretch>
-        </p:blipFill>
-        <p:spPr>
-          <a:xfrm>
-            <a:off x="0" y="0"/>
-            <a:ext cx="9144000" cy="5143500"/>
-          </a:xfrm>
-          <a:prstGeom prst="rect">
-            <a:avLst/>
-          </a:prstGeom>
-        </p:spPr>
-      </p:pic>
-      <p:cxnSp>
-        <p:nvCxnSpPr>
-          <p:cNvPr id="23" name="Straight Connector 22">
-            <a:extLst>
-              <a:ext uri="{FF2B5EF4-FFF2-40B4-BE49-F238E27FC236}">
-                <a16:creationId xmlns:a16="http://schemas.microsoft.com/office/drawing/2014/main" id="{D18F9F86-39ED-45D0-85E5-0CB0CE3F66AA}"/>
-              </a:ext>
-            </a:extLst>
-          </p:cNvPr>
-          <p:cNvCxnSpPr>
-            <a:cxnSpLocks/>
-          </p:cNvCxnSpPr>
-          <p:nvPr/>
-        </p:nvCxnSpPr>
-        <p:spPr>
-          <a:xfrm>
-            <a:off x="3851920" y="4877087"/>
-            <a:ext cx="0" cy="144016"/>
-          </a:xfrm>
-          <a:prstGeom prst="line">
-            <a:avLst/>
-          </a:prstGeom>
-          <a:ln w="12700">
-            <a:solidFill>
-              <a:srgbClr val="FFFF00"/>
-            </a:solidFill>
-          </a:ln>
-        </p:spPr>
-        <p:style>
-          <a:lnRef idx="1">
-            <a:schemeClr val="accent1"/>
-          </a:lnRef>
-          <a:fillRef idx="0">
-            <a:schemeClr val="accent1"/>
-          </a:fillRef>
-          <a:effectRef idx="0">
-            <a:schemeClr val="accent1"/>
-          </a:effectRef>
-          <a:fontRef idx="minor">
-            <a:schemeClr val="tx1"/>
-          </a:fontRef>
-        </p:style>
-      </p:cxnSp>
-      <p:sp>
-        <p:nvSpPr>
-          <p:cNvPr id="25" name="TextBox 24">
-            <a:extLst>
-              <a:ext uri="{FF2B5EF4-FFF2-40B4-BE49-F238E27FC236}">
-                <a16:creationId xmlns:a16="http://schemas.microsoft.com/office/drawing/2014/main" id="{D3A63D5F-DEBF-4AEB-8FBA-984C4EB82AE3}"/>
-              </a:ext>
-            </a:extLst>
-          </p:cNvPr>
-          <p:cNvSpPr txBox="1"/>
-          <p:nvPr/>
-        </p:nvSpPr>
-        <p:spPr>
-          <a:xfrm>
-            <a:off x="3923928" y="4841373"/>
-            <a:ext cx="1296144" cy="215444"/>
-          </a:xfrm>
-          <a:prstGeom prst="rect">
-            <a:avLst/>
-          </a:prstGeom>
-          <a:noFill/>
-        </p:spPr>
-        <p:txBody>
-          <a:bodyPr wrap="square" rtlCol="0">
-            <a:spAutoFit/>
-          </a:bodyPr>
-          <a:lstStyle/>
-          <a:p>
-            <a:pPr algn="l"/>
-            <a:r>
-              <a:rPr lang="en-US" sz="800" b="0" i="0" dirty="0">
-                <a:solidFill>
-                  <a:srgbClr val="FFFF00"/>
-                </a:solidFill>
-                <a:latin typeface="Open Sans" panose="020B0606030504020204" pitchFamily="34" charset="0"/>
-                <a:ea typeface="Open Sans" panose="020B0606030504020204" pitchFamily="34" charset="0"/>
-                <a:cs typeface="Open Sans" panose="020B0606030504020204" pitchFamily="34" charset="0"/>
-              </a:rPr>
-              <a:t>RUN!</a:t>
-            </a:r>
-            <a:endParaRPr lang="en-GB" sz="800" b="0" i="0" dirty="0">
-              <a:solidFill>
-                <a:srgbClr val="FFFF00"/>
-              </a:solidFill>
-              <a:latin typeface="Open Sans" panose="020B0606030504020204" pitchFamily="34" charset="0"/>
-              <a:ea typeface="Open Sans" panose="020B0606030504020204" pitchFamily="34" charset="0"/>
-              <a:cs typeface="Open Sans" panose="020B0606030504020204" pitchFamily="34" charset="0"/>
-            </a:endParaRPr>
-          </a:p>
-        </p:txBody>
-      </p:sp>
-      <p:pic>
-        <p:nvPicPr>
-          <p:cNvPr id="3" name="Picture 2">
-            <a:extLst>
-              <a:ext uri="{FF2B5EF4-FFF2-40B4-BE49-F238E27FC236}">
-                <a16:creationId xmlns:a16="http://schemas.microsoft.com/office/drawing/2014/main" id="{465A2BD3-C1E6-42DB-9C5F-3AED27A7CB95}"/>
-              </a:ext>
-            </a:extLst>
-          </p:cNvPr>
-          <p:cNvPicPr>
-            <a:picLocks noChangeAspect="1"/>
-          </p:cNvPicPr>
-          <p:nvPr/>
-        </p:nvPicPr>
-        <p:blipFill>
-          <a:blip r:embed="rId3">
-            <a:extLst>
-              <a:ext uri="{BEBA8EAE-BF5A-486C-A8C5-ECC9F3942E4B}">
-                <a14:imgProps xmlns:a14="http://schemas.microsoft.com/office/drawing/2010/main">
-                  <a14:imgLayer r:embed="rId4">
-                    <a14:imgEffect>
-                      <a14:backgroundRemoval t="8529" b="94343" l="9878" r="89878">
-                        <a14:foregroundMark x1="13796" y1="8616" x2="13796" y2="8616"/>
-                        <a14:foregroundMark x1="78776" y1="94343" x2="78776" y2="94343"/>
-                      </a14:backgroundRemoval>
-                    </a14:imgEffect>
-                  </a14:imgLayer>
-                </a14:imgProps>
-              </a:ext>
-            </a:extLst>
-          </a:blip>
-          <a:stretch>
-            <a:fillRect/>
-          </a:stretch>
-        </p:blipFill>
-        <p:spPr>
-          <a:xfrm>
-            <a:off x="4885997" y="1212696"/>
-            <a:ext cx="3586337" cy="3363838"/>
-          </a:xfrm>
-          <a:prstGeom prst="rect">
-            <a:avLst/>
-          </a:prstGeom>
-        </p:spPr>
-      </p:pic>
-    </p:spTree>
-    <p:extLst>
-      <p:ext uri="{BB962C8B-B14F-4D97-AF65-F5344CB8AC3E}">
-        <p14:creationId xmlns:p14="http://schemas.microsoft.com/office/powerpoint/2010/main" val="1661838245"/>
       </p:ext>
     </p:extLst>
   </p:cSld>
@@ -22401,6 +22185,235 @@
       </p:grpSpPr>
       <p:sp>
         <p:nvSpPr>
+          <p:cNvPr id="24" name="Slide Number Placeholder 23">
+            <a:extLst>
+              <a:ext uri="{FF2B5EF4-FFF2-40B4-BE49-F238E27FC236}">
+                <a16:creationId xmlns:a16="http://schemas.microsoft.com/office/drawing/2014/main" id="{68D18E14-4BA4-5444-9B93-B2DC7B9A4533}"/>
+              </a:ext>
+            </a:extLst>
+          </p:cNvPr>
+          <p:cNvSpPr>
+            <a:spLocks noGrp="1"/>
+          </p:cNvSpPr>
+          <p:nvPr>
+            <p:ph type="sldNum" idx="12"/>
+          </p:nvPr>
+        </p:nvSpPr>
+        <p:spPr/>
+        <p:txBody>
+          <a:bodyPr/>
+          <a:lstStyle/>
+          <a:p>
+            <a:fld id="{135BD99D-F739-4C48-A769-D8C856C33304}" type="slidenum">
+              <a:rPr lang="de-DE" smtClean="0"/>
+              <a:pPr/>
+              <a:t>33</a:t>
+            </a:fld>
+            <a:endParaRPr lang="de-DE" dirty="0"/>
+          </a:p>
+        </p:txBody>
+      </p:sp>
+      <p:pic>
+        <p:nvPicPr>
+          <p:cNvPr id="6" name="Picture 5">
+            <a:extLst>
+              <a:ext uri="{FF2B5EF4-FFF2-40B4-BE49-F238E27FC236}">
+                <a16:creationId xmlns:a16="http://schemas.microsoft.com/office/drawing/2014/main" id="{29099447-6D3D-4639-85E7-D1796A866886}"/>
+              </a:ext>
+            </a:extLst>
+          </p:cNvPr>
+          <p:cNvPicPr>
+            <a:picLocks noChangeAspect="1"/>
+          </p:cNvPicPr>
+          <p:nvPr/>
+        </p:nvPicPr>
+        <p:blipFill>
+          <a:blip r:embed="rId2"/>
+          <a:stretch>
+            <a:fillRect/>
+          </a:stretch>
+        </p:blipFill>
+        <p:spPr>
+          <a:xfrm>
+            <a:off x="0" y="0"/>
+            <a:ext cx="9144000" cy="5143500"/>
+          </a:xfrm>
+          <a:prstGeom prst="rect">
+            <a:avLst/>
+          </a:prstGeom>
+        </p:spPr>
+      </p:pic>
+      <p:cxnSp>
+        <p:nvCxnSpPr>
+          <p:cNvPr id="23" name="Straight Connector 22">
+            <a:extLst>
+              <a:ext uri="{FF2B5EF4-FFF2-40B4-BE49-F238E27FC236}">
+                <a16:creationId xmlns:a16="http://schemas.microsoft.com/office/drawing/2014/main" id="{D18F9F86-39ED-45D0-85E5-0CB0CE3F66AA}"/>
+              </a:ext>
+            </a:extLst>
+          </p:cNvPr>
+          <p:cNvCxnSpPr>
+            <a:cxnSpLocks/>
+          </p:cNvCxnSpPr>
+          <p:nvPr/>
+        </p:nvCxnSpPr>
+        <p:spPr>
+          <a:xfrm>
+            <a:off x="3851920" y="4877087"/>
+            <a:ext cx="0" cy="144016"/>
+          </a:xfrm>
+          <a:prstGeom prst="line">
+            <a:avLst/>
+          </a:prstGeom>
+          <a:ln w="12700">
+            <a:solidFill>
+              <a:srgbClr val="FFFF00"/>
+            </a:solidFill>
+          </a:ln>
+        </p:spPr>
+        <p:style>
+          <a:lnRef idx="1">
+            <a:schemeClr val="accent1"/>
+          </a:lnRef>
+          <a:fillRef idx="0">
+            <a:schemeClr val="accent1"/>
+          </a:fillRef>
+          <a:effectRef idx="0">
+            <a:schemeClr val="accent1"/>
+          </a:effectRef>
+          <a:fontRef idx="minor">
+            <a:schemeClr val="tx1"/>
+          </a:fontRef>
+        </p:style>
+      </p:cxnSp>
+      <p:sp>
+        <p:nvSpPr>
+          <p:cNvPr id="25" name="TextBox 24">
+            <a:extLst>
+              <a:ext uri="{FF2B5EF4-FFF2-40B4-BE49-F238E27FC236}">
+                <a16:creationId xmlns:a16="http://schemas.microsoft.com/office/drawing/2014/main" id="{D3A63D5F-DEBF-4AEB-8FBA-984C4EB82AE3}"/>
+              </a:ext>
+            </a:extLst>
+          </p:cNvPr>
+          <p:cNvSpPr txBox="1"/>
+          <p:nvPr/>
+        </p:nvSpPr>
+        <p:spPr>
+          <a:xfrm>
+            <a:off x="3923928" y="4841373"/>
+            <a:ext cx="1296144" cy="215444"/>
+          </a:xfrm>
+          <a:prstGeom prst="rect">
+            <a:avLst/>
+          </a:prstGeom>
+          <a:noFill/>
+        </p:spPr>
+        <p:txBody>
+          <a:bodyPr wrap="square" rtlCol="0">
+            <a:spAutoFit/>
+          </a:bodyPr>
+          <a:lstStyle/>
+          <a:p>
+            <a:pPr algn="l"/>
+            <a:r>
+              <a:rPr lang="en-US" sz="800" b="0" i="0" dirty="0">
+                <a:solidFill>
+                  <a:srgbClr val="FFFF00"/>
+                </a:solidFill>
+                <a:latin typeface="Open Sans" panose="020B0606030504020204" pitchFamily="34" charset="0"/>
+                <a:ea typeface="Open Sans" panose="020B0606030504020204" pitchFamily="34" charset="0"/>
+                <a:cs typeface="Open Sans" panose="020B0606030504020204" pitchFamily="34" charset="0"/>
+              </a:rPr>
+              <a:t>RUN!</a:t>
+            </a:r>
+            <a:endParaRPr lang="en-GB" sz="800" b="0" i="0" dirty="0">
+              <a:solidFill>
+                <a:srgbClr val="FFFF00"/>
+              </a:solidFill>
+              <a:latin typeface="Open Sans" panose="020B0606030504020204" pitchFamily="34" charset="0"/>
+              <a:ea typeface="Open Sans" panose="020B0606030504020204" pitchFamily="34" charset="0"/>
+              <a:cs typeface="Open Sans" panose="020B0606030504020204" pitchFamily="34" charset="0"/>
+            </a:endParaRPr>
+          </a:p>
+        </p:txBody>
+      </p:sp>
+      <p:pic>
+        <p:nvPicPr>
+          <p:cNvPr id="3" name="Picture 2">
+            <a:extLst>
+              <a:ext uri="{FF2B5EF4-FFF2-40B4-BE49-F238E27FC236}">
+                <a16:creationId xmlns:a16="http://schemas.microsoft.com/office/drawing/2014/main" id="{465A2BD3-C1E6-42DB-9C5F-3AED27A7CB95}"/>
+              </a:ext>
+            </a:extLst>
+          </p:cNvPr>
+          <p:cNvPicPr>
+            <a:picLocks noChangeAspect="1"/>
+          </p:cNvPicPr>
+          <p:nvPr/>
+        </p:nvPicPr>
+        <p:blipFill>
+          <a:blip r:embed="rId3">
+            <a:extLst>
+              <a:ext uri="{BEBA8EAE-BF5A-486C-A8C5-ECC9F3942E4B}">
+                <a14:imgProps xmlns:a14="http://schemas.microsoft.com/office/drawing/2010/main">
+                  <a14:imgLayer r:embed="rId4">
+                    <a14:imgEffect>
+                      <a14:backgroundRemoval t="8529" b="94343" l="9878" r="89878">
+                        <a14:foregroundMark x1="13796" y1="8616" x2="13796" y2="8616"/>
+                        <a14:foregroundMark x1="78776" y1="94343" x2="78776" y2="94343"/>
+                      </a14:backgroundRemoval>
+                    </a14:imgEffect>
+                  </a14:imgLayer>
+                </a14:imgProps>
+              </a:ext>
+            </a:extLst>
+          </a:blip>
+          <a:stretch>
+            <a:fillRect/>
+          </a:stretch>
+        </p:blipFill>
+        <p:spPr>
+          <a:xfrm>
+            <a:off x="4885997" y="1212696"/>
+            <a:ext cx="3586337" cy="3363838"/>
+          </a:xfrm>
+          <a:prstGeom prst="rect">
+            <a:avLst/>
+          </a:prstGeom>
+        </p:spPr>
+      </p:pic>
+    </p:spTree>
+    <p:extLst>
+      <p:ext uri="{BB962C8B-B14F-4D97-AF65-F5344CB8AC3E}">
+        <p14:creationId xmlns:p14="http://schemas.microsoft.com/office/powerpoint/2010/main" val="1661838245"/>
+      </p:ext>
+    </p:extLst>
+  </p:cSld>
+  <p:clrMapOvr>
+    <a:masterClrMapping/>
+  </p:clrMapOvr>
+</p:sld>
+</file>
+
+<file path=ppt/slides/slide34.xml><?xml version="1.0" encoding="utf-8"?>
+<p:sld xmlns:a="http://schemas.openxmlformats.org/drawingml/2006/main" xmlns:r="http://schemas.openxmlformats.org/officeDocument/2006/relationships" xmlns:p="http://schemas.openxmlformats.org/presentationml/2006/main">
+  <p:cSld>
+    <p:spTree>
+      <p:nvGrpSpPr>
+        <p:cNvPr id="1" name=""/>
+        <p:cNvGrpSpPr/>
+        <p:nvPr/>
+      </p:nvGrpSpPr>
+      <p:grpSpPr>
+        <a:xfrm>
+          <a:off x="0" y="0"/>
+          <a:ext cx="0" cy="0"/>
+          <a:chOff x="0" y="0"/>
+          <a:chExt cx="0" cy="0"/>
+        </a:xfrm>
+      </p:grpSpPr>
+      <p:sp>
+        <p:nvSpPr>
           <p:cNvPr id="3" name="Text Placeholder 2">
             <a:extLst>
               <a:ext uri="{FF2B5EF4-FFF2-40B4-BE49-F238E27FC236}">
@@ -22573,7 +22586,7 @@
             <a:fld id="{135BD99D-F739-4C48-A769-D8C856C33304}" type="slidenum">
               <a:rPr lang="de-DE" smtClean="0"/>
               <a:pPr/>
-              <a:t>33</a:t>
+              <a:t>34</a:t>
             </a:fld>
             <a:endParaRPr lang="de-DE" dirty="0"/>
           </a:p>
@@ -22959,7 +22972,7 @@
 </p:sld>
 </file>
 
-<file path=ppt/slides/slide34.xml><?xml version="1.0" encoding="utf-8"?>
+<file path=ppt/slides/slide35.xml><?xml version="1.0" encoding="utf-8"?>
 <p:sld xmlns:a="http://schemas.openxmlformats.org/drawingml/2006/main" xmlns:r="http://schemas.openxmlformats.org/officeDocument/2006/relationships" xmlns:p="http://schemas.openxmlformats.org/presentationml/2006/main">
   <p:cSld>
     <p:spTree>
@@ -23158,7 +23171,7 @@
             <a:fld id="{135BD99D-F739-4C48-A769-D8C856C33304}" type="slidenum">
               <a:rPr lang="de-DE" smtClean="0"/>
               <a:pPr/>
-              <a:t>34</a:t>
+              <a:t>35</a:t>
             </a:fld>
             <a:endParaRPr lang="de-DE" dirty="0"/>
           </a:p>
@@ -23424,7 +23437,7 @@
 </p:sld>
 </file>
 
-<file path=ppt/slides/slide35.xml><?xml version="1.0" encoding="utf-8"?>
+<file path=ppt/slides/slide36.xml><?xml version="1.0" encoding="utf-8"?>
 <p:sld xmlns:a="http://schemas.openxmlformats.org/drawingml/2006/main" xmlns:r="http://schemas.openxmlformats.org/officeDocument/2006/relationships" xmlns:p="http://schemas.openxmlformats.org/presentationml/2006/main">
   <p:cSld>
     <p:spTree>
@@ -23626,7 +23639,7 @@
             <a:fld id="{135BD99D-F739-4C48-A769-D8C856C33304}" type="slidenum">
               <a:rPr lang="de-DE" smtClean="0"/>
               <a:pPr/>
-              <a:t>35</a:t>
+              <a:t>36</a:t>
             </a:fld>
             <a:endParaRPr lang="de-DE" dirty="0"/>
           </a:p>
@@ -23933,310 +23946,6 @@
 </p:sld>
 </file>
 
-<file path=ppt/slides/slide36.xml><?xml version="1.0" encoding="utf-8"?>
-<p:sld xmlns:a="http://schemas.openxmlformats.org/drawingml/2006/main" xmlns:r="http://schemas.openxmlformats.org/officeDocument/2006/relationships" xmlns:p="http://schemas.openxmlformats.org/presentationml/2006/main">
-  <p:cSld>
-    <p:spTree>
-      <p:nvGrpSpPr>
-        <p:cNvPr id="1" name=""/>
-        <p:cNvGrpSpPr/>
-        <p:nvPr/>
-      </p:nvGrpSpPr>
-      <p:grpSpPr>
-        <a:xfrm>
-          <a:off x="0" y="0"/>
-          <a:ext cx="0" cy="0"/>
-          <a:chOff x="0" y="0"/>
-          <a:chExt cx="0" cy="0"/>
-        </a:xfrm>
-      </p:grpSpPr>
-      <p:sp>
-        <p:nvSpPr>
-          <p:cNvPr id="3" name="Text Placeholder 2">
-            <a:extLst>
-              <a:ext uri="{FF2B5EF4-FFF2-40B4-BE49-F238E27FC236}">
-                <a16:creationId xmlns:a16="http://schemas.microsoft.com/office/drawing/2014/main" id="{C8652AB2-B172-734D-B944-A1947E471C6C}"/>
-              </a:ext>
-            </a:extLst>
-          </p:cNvPr>
-          <p:cNvSpPr>
-            <a:spLocks noGrp="1"/>
-          </p:cNvSpPr>
-          <p:nvPr>
-            <p:ph type="body" sz="quarter" idx="11"/>
-          </p:nvPr>
-        </p:nvSpPr>
-        <p:spPr/>
-        <p:txBody>
-          <a:bodyPr/>
-          <a:lstStyle/>
-          <a:p>
-            <a:endParaRPr lang="de-DE"/>
-          </a:p>
-        </p:txBody>
-      </p:sp>
-      <p:sp>
-        <p:nvSpPr>
-          <p:cNvPr id="18" name="Text Placeholder 17">
-            <a:extLst>
-              <a:ext uri="{FF2B5EF4-FFF2-40B4-BE49-F238E27FC236}">
-                <a16:creationId xmlns:a16="http://schemas.microsoft.com/office/drawing/2014/main" id="{A547A4E0-4711-6D4C-A277-24C2461D482E}"/>
-              </a:ext>
-            </a:extLst>
-          </p:cNvPr>
-          <p:cNvSpPr>
-            <a:spLocks noGrp="1"/>
-          </p:cNvSpPr>
-          <p:nvPr>
-            <p:ph type="body" sz="quarter" idx="12"/>
-          </p:nvPr>
-        </p:nvSpPr>
-        <p:spPr/>
-        <p:txBody>
-          <a:bodyPr/>
-          <a:lstStyle/>
-          <a:p>
-            <a:endParaRPr lang="de-DE"/>
-          </a:p>
-        </p:txBody>
-      </p:sp>
-      <p:sp>
-        <p:nvSpPr>
-          <p:cNvPr id="20" name="Text Placeholder 19">
-            <a:extLst>
-              <a:ext uri="{FF2B5EF4-FFF2-40B4-BE49-F238E27FC236}">
-                <a16:creationId xmlns:a16="http://schemas.microsoft.com/office/drawing/2014/main" id="{4C7E68FC-3742-C145-A1DE-143E9097DD4A}"/>
-              </a:ext>
-            </a:extLst>
-          </p:cNvPr>
-          <p:cNvSpPr>
-            <a:spLocks noGrp="1"/>
-          </p:cNvSpPr>
-          <p:nvPr>
-            <p:ph type="body" sz="quarter" idx="13"/>
-          </p:nvPr>
-        </p:nvSpPr>
-        <p:spPr/>
-        <p:txBody>
-          <a:bodyPr/>
-          <a:lstStyle/>
-          <a:p>
-            <a:endParaRPr lang="de-DE"/>
-          </a:p>
-        </p:txBody>
-      </p:sp>
-      <p:sp>
-        <p:nvSpPr>
-          <p:cNvPr id="21" name="Text Placeholder 20">
-            <a:extLst>
-              <a:ext uri="{FF2B5EF4-FFF2-40B4-BE49-F238E27FC236}">
-                <a16:creationId xmlns:a16="http://schemas.microsoft.com/office/drawing/2014/main" id="{0C848A43-B334-A14D-900A-438C312A7992}"/>
-              </a:ext>
-            </a:extLst>
-          </p:cNvPr>
-          <p:cNvSpPr>
-            <a:spLocks noGrp="1"/>
-          </p:cNvSpPr>
-          <p:nvPr>
-            <p:ph type="body" sz="quarter" idx="14"/>
-          </p:nvPr>
-        </p:nvSpPr>
-        <p:spPr>
-          <a:xfrm>
-            <a:off x="183307" y="195263"/>
-            <a:ext cx="4176712" cy="110800"/>
-          </a:xfrm>
-        </p:spPr>
-        <p:txBody>
-          <a:bodyPr/>
-          <a:lstStyle/>
-          <a:p>
-            <a:r>
-              <a:rPr lang="en-US" b="0" dirty="0"/>
-              <a:t>Examples</a:t>
-            </a:r>
-            <a:endParaRPr lang="en-US" b="0" dirty="0">
-              <a:latin typeface="Open Sans Light" panose="020B0306030504020204" pitchFamily="34" charset="0"/>
-              <a:ea typeface="Open Sans Light" panose="020B0306030504020204" pitchFamily="34" charset="0"/>
-              <a:cs typeface="Open Sans Light" panose="020B0306030504020204" pitchFamily="34" charset="0"/>
-            </a:endParaRPr>
-          </a:p>
-        </p:txBody>
-      </p:sp>
-      <p:sp>
-        <p:nvSpPr>
-          <p:cNvPr id="22" name="Text Placeholder 21">
-            <a:extLst>
-              <a:ext uri="{FF2B5EF4-FFF2-40B4-BE49-F238E27FC236}">
-                <a16:creationId xmlns:a16="http://schemas.microsoft.com/office/drawing/2014/main" id="{B79502A5-4FFE-134D-8A3C-F393C5B37EC0}"/>
-              </a:ext>
-            </a:extLst>
-          </p:cNvPr>
-          <p:cNvSpPr>
-            <a:spLocks noGrp="1"/>
-          </p:cNvSpPr>
-          <p:nvPr>
-            <p:ph type="body" sz="quarter" idx="15"/>
-          </p:nvPr>
-        </p:nvSpPr>
-        <p:spPr/>
-        <p:txBody>
-          <a:bodyPr/>
-          <a:lstStyle/>
-          <a:p>
-            <a:r>
-              <a:rPr lang="de-DE" dirty="0"/>
-              <a:t>User Material in Abaqus</a:t>
-            </a:r>
-          </a:p>
-        </p:txBody>
-      </p:sp>
-      <p:sp>
-        <p:nvSpPr>
-          <p:cNvPr id="24" name="Slide Number Placeholder 23">
-            <a:extLst>
-              <a:ext uri="{FF2B5EF4-FFF2-40B4-BE49-F238E27FC236}">
-                <a16:creationId xmlns:a16="http://schemas.microsoft.com/office/drawing/2014/main" id="{68D18E14-4BA4-5444-9B93-B2DC7B9A4533}"/>
-              </a:ext>
-            </a:extLst>
-          </p:cNvPr>
-          <p:cNvSpPr>
-            <a:spLocks noGrp="1"/>
-          </p:cNvSpPr>
-          <p:nvPr>
-            <p:ph type="sldNum" sz="quarter" idx="16"/>
-          </p:nvPr>
-        </p:nvSpPr>
-        <p:spPr/>
-        <p:txBody>
-          <a:bodyPr/>
-          <a:lstStyle/>
-          <a:p>
-            <a:fld id="{135BD99D-F739-4C48-A769-D8C856C33304}" type="slidenum">
-              <a:rPr lang="de-DE" smtClean="0"/>
-              <a:pPr/>
-              <a:t>36</a:t>
-            </a:fld>
-            <a:endParaRPr lang="de-DE" dirty="0"/>
-          </a:p>
-        </p:txBody>
-      </p:sp>
-      <p:pic>
-        <p:nvPicPr>
-          <p:cNvPr id="4" name="Picture 3" descr="Qr code&#10;&#10;Description automatically generated">
-            <a:extLst>
-              <a:ext uri="{FF2B5EF4-FFF2-40B4-BE49-F238E27FC236}">
-                <a16:creationId xmlns:a16="http://schemas.microsoft.com/office/drawing/2014/main" id="{0CFDEEBE-BF62-4610-8FF8-1690C6DDC779}"/>
-              </a:ext>
-            </a:extLst>
-          </p:cNvPr>
-          <p:cNvPicPr>
-            <a:picLocks noChangeAspect="1"/>
-          </p:cNvPicPr>
-          <p:nvPr/>
-        </p:nvPicPr>
-        <p:blipFill>
-          <a:blip r:embed="rId2">
-            <a:extLst>
-              <a:ext uri="{28A0092B-C50C-407E-A947-70E740481C1C}">
-                <a14:useLocalDpi xmlns:a14="http://schemas.microsoft.com/office/drawing/2010/main" val="0"/>
-              </a:ext>
-            </a:extLst>
-          </a:blip>
-          <a:stretch>
-            <a:fillRect/>
-          </a:stretch>
-        </p:blipFill>
-        <p:spPr>
-          <a:xfrm>
-            <a:off x="5296064" y="1179128"/>
-            <a:ext cx="2353444" cy="2353444"/>
-          </a:xfrm>
-          <a:prstGeom prst="rect">
-            <a:avLst/>
-          </a:prstGeom>
-        </p:spPr>
-      </p:pic>
-      <p:sp>
-        <p:nvSpPr>
-          <p:cNvPr id="5" name="Rectangle 4">
-            <a:extLst>
-              <a:ext uri="{FF2B5EF4-FFF2-40B4-BE49-F238E27FC236}">
-                <a16:creationId xmlns:a16="http://schemas.microsoft.com/office/drawing/2014/main" id="{5E2FE68D-AD6A-4DAD-89DA-24285B109AD3}"/>
-              </a:ext>
-            </a:extLst>
-          </p:cNvPr>
-          <p:cNvSpPr/>
-          <p:nvPr/>
-        </p:nvSpPr>
-        <p:spPr>
-          <a:xfrm>
-            <a:off x="5173995" y="3627400"/>
-            <a:ext cx="2857500" cy="507831"/>
-          </a:xfrm>
-          <a:prstGeom prst="rect">
-            <a:avLst/>
-          </a:prstGeom>
-        </p:spPr>
-        <p:txBody>
-          <a:bodyPr wrap="square">
-            <a:spAutoFit/>
-          </a:bodyPr>
-          <a:lstStyle/>
-          <a:p>
-            <a:r>
-              <a:rPr lang="en-GB" dirty="0">
-                <a:hlinkClick r:id="rId3"/>
-              </a:rPr>
-              <a:t>https://gist.github.com/franaudo/72362784ded685e4cb381e57020c9ec7</a:t>
-            </a:r>
-            <a:endParaRPr lang="en-GB" dirty="0"/>
-          </a:p>
-        </p:txBody>
-      </p:sp>
-      <p:pic>
-        <p:nvPicPr>
-          <p:cNvPr id="6" name="Picture 5">
-            <a:extLst>
-              <a:ext uri="{FF2B5EF4-FFF2-40B4-BE49-F238E27FC236}">
-                <a16:creationId xmlns:a16="http://schemas.microsoft.com/office/drawing/2014/main" id="{DCCE656F-3285-4097-9009-F059287D7817}"/>
-              </a:ext>
-            </a:extLst>
-          </p:cNvPr>
-          <p:cNvPicPr>
-            <a:picLocks noChangeAspect="1"/>
-          </p:cNvPicPr>
-          <p:nvPr/>
-        </p:nvPicPr>
-        <p:blipFill>
-          <a:blip r:embed="rId4"/>
-          <a:stretch>
-            <a:fillRect/>
-          </a:stretch>
-        </p:blipFill>
-        <p:spPr>
-          <a:xfrm>
-            <a:off x="415320" y="693091"/>
-            <a:ext cx="4380841" cy="3939902"/>
-          </a:xfrm>
-          <a:prstGeom prst="rect">
-            <a:avLst/>
-          </a:prstGeom>
-        </p:spPr>
-      </p:pic>
-    </p:spTree>
-    <p:extLst>
-      <p:ext uri="{BB962C8B-B14F-4D97-AF65-F5344CB8AC3E}">
-        <p14:creationId xmlns:p14="http://schemas.microsoft.com/office/powerpoint/2010/main" val="3152075643"/>
-      </p:ext>
-    </p:extLst>
-  </p:cSld>
-  <p:clrMapOvr>
-    <a:masterClrMapping/>
-  </p:clrMapOvr>
-</p:sld>
-</file>
-
 <file path=ppt/slides/slide37.xml><?xml version="1.0" encoding="utf-8"?>
 <p:sld xmlns:a="http://schemas.openxmlformats.org/drawingml/2006/main" xmlns:r="http://schemas.openxmlformats.org/officeDocument/2006/relationships" xmlns:p="http://schemas.openxmlformats.org/presentationml/2006/main">
   <p:cSld>
@@ -24357,7 +24066,7 @@
           <a:p>
             <a:r>
               <a:rPr lang="en-US" b="0" dirty="0"/>
-              <a:t>Next Steps</a:t>
+              <a:t>Examples</a:t>
             </a:r>
             <a:endParaRPr lang="en-US" b="0" dirty="0">
               <a:latin typeface="Open Sans Light" panose="020B0306030504020204" pitchFamily="34" charset="0"/>
@@ -24390,13 +24099,8 @@
           <a:p>
             <a:r>
               <a:rPr lang="de-DE" dirty="0"/>
-              <a:t>API </a:t>
+              <a:t>User Material in Abaqus</a:t>
             </a:r>
-            <a:r>
-              <a:rPr lang="de-DE" dirty="0" err="1"/>
-              <a:t>Documentation</a:t>
-            </a:r>
-            <a:endParaRPr lang="de-DE" dirty="0"/>
           </a:p>
         </p:txBody>
       </p:sp>
@@ -24432,10 +24136,10 @@
       </p:sp>
       <p:pic>
         <p:nvPicPr>
-          <p:cNvPr id="9" name="Picture 8">
-            <a:extLst>
-              <a:ext uri="{FF2B5EF4-FFF2-40B4-BE49-F238E27FC236}">
-                <a16:creationId xmlns:a16="http://schemas.microsoft.com/office/drawing/2014/main" id="{F9F94364-ED90-4E9C-A3AB-E06934E2838F}"/>
+          <p:cNvPr id="4" name="Picture 3" descr="Qr code&#10;&#10;Description automatically generated">
+            <a:extLst>
+              <a:ext uri="{FF2B5EF4-FFF2-40B4-BE49-F238E27FC236}">
+                <a16:creationId xmlns:a16="http://schemas.microsoft.com/office/drawing/2014/main" id="{0CFDEEBE-BF62-4610-8FF8-1690C6DDC779}"/>
               </a:ext>
             </a:extLst>
           </p:cNvPr>
@@ -24445,15 +24149,88 @@
           <p:nvPr/>
         </p:nvPicPr>
         <p:blipFill>
-          <a:blip r:embed="rId2"/>
+          <a:blip r:embed="rId2">
+            <a:extLst>
+              <a:ext uri="{28A0092B-C50C-407E-A947-70E740481C1C}">
+                <a14:useLocalDpi xmlns:a14="http://schemas.microsoft.com/office/drawing/2010/main" val="0"/>
+              </a:ext>
+            </a:extLst>
+          </a:blip>
           <a:stretch>
             <a:fillRect/>
           </a:stretch>
         </p:blipFill>
         <p:spPr>
           <a:xfrm>
-            <a:off x="1835696" y="670479"/>
-            <a:ext cx="5172221" cy="4473021"/>
+            <a:off x="5296064" y="1179128"/>
+            <a:ext cx="2353444" cy="2353444"/>
+          </a:xfrm>
+          <a:prstGeom prst="rect">
+            <a:avLst/>
+          </a:prstGeom>
+        </p:spPr>
+      </p:pic>
+      <p:sp>
+        <p:nvSpPr>
+          <p:cNvPr id="5" name="Rectangle 4">
+            <a:extLst>
+              <a:ext uri="{FF2B5EF4-FFF2-40B4-BE49-F238E27FC236}">
+                <a16:creationId xmlns:a16="http://schemas.microsoft.com/office/drawing/2014/main" id="{5E2FE68D-AD6A-4DAD-89DA-24285B109AD3}"/>
+              </a:ext>
+            </a:extLst>
+          </p:cNvPr>
+          <p:cNvSpPr/>
+          <p:nvPr/>
+        </p:nvSpPr>
+        <p:spPr>
+          <a:xfrm>
+            <a:off x="5173995" y="3627400"/>
+            <a:ext cx="2857500" cy="507831"/>
+          </a:xfrm>
+          <a:prstGeom prst="rect">
+            <a:avLst/>
+          </a:prstGeom>
+        </p:spPr>
+        <p:txBody>
+          <a:bodyPr wrap="square">
+            <a:spAutoFit/>
+          </a:bodyPr>
+          <a:lstStyle/>
+          <a:p>
+            <a:r>
+              <a:rPr lang="en-GB" dirty="0">
+                <a:hlinkClick r:id="rId3"/>
+              </a:rPr>
+              <a:t>https://gist.github.com/franaudo/72362784ded685e4cb381e57020c9ec7</a:t>
+            </a:r>
+            <a:endParaRPr lang="en-GB" dirty="0"/>
+          </a:p>
+        </p:txBody>
+      </p:sp>
+      <p:pic>
+        <p:nvPicPr>
+          <p:cNvPr id="6" name="Picture 5">
+            <a:extLst>
+              <a:ext uri="{FF2B5EF4-FFF2-40B4-BE49-F238E27FC236}">
+                <a16:creationId xmlns:a16="http://schemas.microsoft.com/office/drawing/2014/main" id="{DCCE656F-3285-4097-9009-F059287D7817}"/>
+              </a:ext>
+            </a:extLst>
+          </p:cNvPr>
+          <p:cNvPicPr>
+            <a:picLocks noChangeAspect="1"/>
+          </p:cNvPicPr>
+          <p:nvPr/>
+        </p:nvPicPr>
+        <p:blipFill>
+          <a:blip r:embed="rId4"/>
+          <a:stretch>
+            <a:fillRect/>
+          </a:stretch>
+        </p:blipFill>
+        <p:spPr>
+          <a:xfrm>
+            <a:off x="415320" y="693091"/>
+            <a:ext cx="4380841" cy="3939902"/>
           </a:xfrm>
           <a:prstGeom prst="rect">
             <a:avLst/>
@@ -24463,7 +24240,7 @@
     </p:spTree>
     <p:extLst>
       <p:ext uri="{BB962C8B-B14F-4D97-AF65-F5344CB8AC3E}">
-        <p14:creationId xmlns:p14="http://schemas.microsoft.com/office/powerpoint/2010/main" val="1140102295"/>
+        <p14:creationId xmlns:p14="http://schemas.microsoft.com/office/powerpoint/2010/main" val="3152075643"/>
       </p:ext>
     </p:extLst>
   </p:cSld>
@@ -24567,6 +24344,77 @@
       </p:sp>
       <p:sp>
         <p:nvSpPr>
+          <p:cNvPr id="21" name="Text Placeholder 20">
+            <a:extLst>
+              <a:ext uri="{FF2B5EF4-FFF2-40B4-BE49-F238E27FC236}">
+                <a16:creationId xmlns:a16="http://schemas.microsoft.com/office/drawing/2014/main" id="{0C848A43-B334-A14D-900A-438C312A7992}"/>
+              </a:ext>
+            </a:extLst>
+          </p:cNvPr>
+          <p:cNvSpPr>
+            <a:spLocks noGrp="1"/>
+          </p:cNvSpPr>
+          <p:nvPr>
+            <p:ph type="body" sz="quarter" idx="14"/>
+          </p:nvPr>
+        </p:nvSpPr>
+        <p:spPr>
+          <a:xfrm>
+            <a:off x="183307" y="195263"/>
+            <a:ext cx="4176712" cy="110800"/>
+          </a:xfrm>
+        </p:spPr>
+        <p:txBody>
+          <a:bodyPr/>
+          <a:lstStyle/>
+          <a:p>
+            <a:r>
+              <a:rPr lang="en-US" b="0" dirty="0"/>
+              <a:t>Next Steps</a:t>
+            </a:r>
+            <a:endParaRPr lang="en-US" b="0" dirty="0">
+              <a:latin typeface="Open Sans Light" panose="020B0306030504020204" pitchFamily="34" charset="0"/>
+              <a:ea typeface="Open Sans Light" panose="020B0306030504020204" pitchFamily="34" charset="0"/>
+              <a:cs typeface="Open Sans Light" panose="020B0306030504020204" pitchFamily="34" charset="0"/>
+            </a:endParaRPr>
+          </a:p>
+        </p:txBody>
+      </p:sp>
+      <p:sp>
+        <p:nvSpPr>
+          <p:cNvPr id="22" name="Text Placeholder 21">
+            <a:extLst>
+              <a:ext uri="{FF2B5EF4-FFF2-40B4-BE49-F238E27FC236}">
+                <a16:creationId xmlns:a16="http://schemas.microsoft.com/office/drawing/2014/main" id="{B79502A5-4FFE-134D-8A3C-F393C5B37EC0}"/>
+              </a:ext>
+            </a:extLst>
+          </p:cNvPr>
+          <p:cNvSpPr>
+            <a:spLocks noGrp="1"/>
+          </p:cNvSpPr>
+          <p:nvPr>
+            <p:ph type="body" sz="quarter" idx="15"/>
+          </p:nvPr>
+        </p:nvSpPr>
+        <p:spPr/>
+        <p:txBody>
+          <a:bodyPr/>
+          <a:lstStyle/>
+          <a:p>
+            <a:r>
+              <a:rPr lang="de-DE" dirty="0"/>
+              <a:t>API </a:t>
+            </a:r>
+            <a:r>
+              <a:rPr lang="de-DE" dirty="0" err="1"/>
+              <a:t>Documentation</a:t>
+            </a:r>
+            <a:endParaRPr lang="de-DE" dirty="0"/>
+          </a:p>
+        </p:txBody>
+      </p:sp>
+      <p:sp>
+        <p:nvSpPr>
           <p:cNvPr id="24" name="Slide Number Placeholder 23">
             <a:extLst>
               <a:ext uri="{FF2B5EF4-FFF2-40B4-BE49-F238E27FC236}">
@@ -24597,10 +24445,10 @@
       </p:sp>
       <p:pic>
         <p:nvPicPr>
-          <p:cNvPr id="7" name="Picture 6">
-            <a:extLst>
-              <a:ext uri="{FF2B5EF4-FFF2-40B4-BE49-F238E27FC236}">
-                <a16:creationId xmlns:a16="http://schemas.microsoft.com/office/drawing/2014/main" id="{BE4EAF31-B64D-4CCC-B3EA-C88BD8E7C968}"/>
+          <p:cNvPr id="9" name="Picture 8">
+            <a:extLst>
+              <a:ext uri="{FF2B5EF4-FFF2-40B4-BE49-F238E27FC236}">
+                <a16:creationId xmlns:a16="http://schemas.microsoft.com/office/drawing/2014/main" id="{F9F94364-ED90-4E9C-A3AB-E06934E2838F}"/>
               </a:ext>
             </a:extLst>
           </p:cNvPr>
@@ -24609,15 +24457,16 @@
           </p:cNvPicPr>
           <p:nvPr/>
         </p:nvPicPr>
-        <p:blipFill rotWithShape="1">
+        <p:blipFill>
           <a:blip r:embed="rId2"/>
-          <a:srcRect b="14069"/>
-          <a:stretch/>
+          <a:stretch>
+            <a:fillRect/>
+          </a:stretch>
         </p:blipFill>
         <p:spPr>
           <a:xfrm>
-            <a:off x="20" y="1"/>
-            <a:ext cx="9143980" cy="5143498"/>
+            <a:off x="1835696" y="670479"/>
+            <a:ext cx="5172221" cy="4473021"/>
           </a:xfrm>
           <a:prstGeom prst="rect">
             <a:avLst/>
@@ -24627,7 +24476,7 @@
     </p:spTree>
     <p:extLst>
       <p:ext uri="{BB962C8B-B14F-4D97-AF65-F5344CB8AC3E}">
-        <p14:creationId xmlns:p14="http://schemas.microsoft.com/office/powerpoint/2010/main" val="673538402"/>
+        <p14:creationId xmlns:p14="http://schemas.microsoft.com/office/powerpoint/2010/main" val="1140102295"/>
       </p:ext>
     </p:extLst>
   </p:cSld>
@@ -24656,794 +24505,115 @@
       </p:grpSpPr>
       <p:sp>
         <p:nvSpPr>
-          <p:cNvPr id="10" name="Google Shape;33;p8">
-            <a:extLst>
-              <a:ext uri="{FF2B5EF4-FFF2-40B4-BE49-F238E27FC236}">
-                <a16:creationId xmlns:a16="http://schemas.microsoft.com/office/drawing/2014/main" id="{B962DB31-8AF0-43A5-852F-D7BA383A9A03}"/>
-              </a:ext>
-            </a:extLst>
-          </p:cNvPr>
-          <p:cNvSpPr txBox="1"/>
-          <p:nvPr/>
-        </p:nvSpPr>
-        <p:spPr>
-          <a:xfrm>
-            <a:off x="0" y="2928851"/>
-            <a:ext cx="9144000" cy="461665"/>
-          </a:xfrm>
-          <a:prstGeom prst="rect">
-            <a:avLst/>
-          </a:prstGeom>
-          <a:noFill/>
-          <a:ln>
-            <a:noFill/>
-          </a:ln>
-        </p:spPr>
-        <p:txBody>
-          <a:bodyPr spcFirstLastPara="1" wrap="square" lIns="91425" tIns="91425" rIns="91425" bIns="91425" anchor="b" anchorCtr="0">
-            <a:noAutofit/>
-          </a:bodyPr>
+          <p:cNvPr id="3" name="Text Placeholder 2">
+            <a:extLst>
+              <a:ext uri="{FF2B5EF4-FFF2-40B4-BE49-F238E27FC236}">
+                <a16:creationId xmlns:a16="http://schemas.microsoft.com/office/drawing/2014/main" id="{C8652AB2-B172-734D-B944-A1947E471C6C}"/>
+              </a:ext>
+            </a:extLst>
+          </p:cNvPr>
+          <p:cNvSpPr>
+            <a:spLocks noGrp="1"/>
+          </p:cNvSpPr>
+          <p:nvPr>
+            <p:ph type="body" sz="quarter" idx="11"/>
+          </p:nvPr>
+        </p:nvSpPr>
+        <p:spPr/>
+        <p:txBody>
+          <a:bodyPr/>
           <a:lstStyle/>
           <a:p>
-            <a:pPr marL="0" lvl="0" indent="0" algn="ctr" rtl="0">
-              <a:spcBef>
-                <a:spcPts val="0"/>
-              </a:spcBef>
-              <a:spcAft>
-                <a:spcPts val="0"/>
-              </a:spcAft>
-              <a:buNone/>
-            </a:pPr>
-            <a:endParaRPr sz="1600" b="1" dirty="0">
-              <a:solidFill>
-                <a:srgbClr val="FFFFFF"/>
-              </a:solidFill>
-              <a:latin typeface="+mj-lt"/>
-              <a:ea typeface="Open Sans"/>
-              <a:cs typeface="Open Sans"/>
-              <a:sym typeface="Open Sans"/>
-            </a:endParaRPr>
-          </a:p>
-        </p:txBody>
-      </p:sp>
-      <p:sp>
-        <p:nvSpPr>
-          <p:cNvPr id="7" name="TextBox 6">
-            <a:extLst>
-              <a:ext uri="{FF2B5EF4-FFF2-40B4-BE49-F238E27FC236}">
-                <a16:creationId xmlns:a16="http://schemas.microsoft.com/office/drawing/2014/main" id="{F34F7915-C4DF-4729-ABDD-9E1895956961}"/>
-              </a:ext>
-            </a:extLst>
-          </p:cNvPr>
-          <p:cNvSpPr txBox="1"/>
-          <p:nvPr/>
-        </p:nvSpPr>
-        <p:spPr>
-          <a:xfrm>
-            <a:off x="3434378" y="2094552"/>
-            <a:ext cx="2275243" cy="461665"/>
-          </a:xfrm>
-          <a:prstGeom prst="rect">
-            <a:avLst/>
-          </a:prstGeom>
-          <a:noFill/>
-        </p:spPr>
-        <p:txBody>
-          <a:bodyPr wrap="square" rtlCol="0">
-            <a:spAutoFit/>
-          </a:bodyPr>
+            <a:endParaRPr lang="de-DE"/>
+          </a:p>
+        </p:txBody>
+      </p:sp>
+      <p:sp>
+        <p:nvSpPr>
+          <p:cNvPr id="18" name="Text Placeholder 17">
+            <a:extLst>
+              <a:ext uri="{FF2B5EF4-FFF2-40B4-BE49-F238E27FC236}">
+                <a16:creationId xmlns:a16="http://schemas.microsoft.com/office/drawing/2014/main" id="{A547A4E0-4711-6D4C-A277-24C2461D482E}"/>
+              </a:ext>
+            </a:extLst>
+          </p:cNvPr>
+          <p:cNvSpPr>
+            <a:spLocks noGrp="1"/>
+          </p:cNvSpPr>
+          <p:nvPr>
+            <p:ph type="body" sz="quarter" idx="12"/>
+          </p:nvPr>
+        </p:nvSpPr>
+        <p:spPr/>
+        <p:txBody>
+          <a:bodyPr/>
           <a:lstStyle/>
           <a:p>
-            <a:pPr algn="ctr"/>
-            <a:r>
-              <a:rPr lang="en-US" sz="2400" b="1" dirty="0">
-                <a:solidFill>
-                  <a:schemeClr val="bg1"/>
-                </a:solidFill>
-                <a:latin typeface="Open Sans Light" panose="020B0306030504020204" pitchFamily="34" charset="0"/>
-                <a:ea typeface="Open Sans Light" panose="020B0306030504020204" pitchFamily="34" charset="0"/>
-                <a:cs typeface="Open Sans Light" panose="020B0306030504020204" pitchFamily="34" charset="0"/>
-              </a:rPr>
-              <a:t>Thanks</a:t>
-            </a:r>
-          </a:p>
-        </p:txBody>
-      </p:sp>
-      <p:grpSp>
-        <p:nvGrpSpPr>
-          <p:cNvPr id="11" name="Gruppieren 1">
-            <a:extLst>
-              <a:ext uri="{FF2B5EF4-FFF2-40B4-BE49-F238E27FC236}">
-                <a16:creationId xmlns:a16="http://schemas.microsoft.com/office/drawing/2014/main" id="{3F738247-7051-444C-BE63-1F899F9C912D}"/>
-              </a:ext>
-            </a:extLst>
-          </p:cNvPr>
-          <p:cNvGrpSpPr/>
-          <p:nvPr/>
-        </p:nvGrpSpPr>
-        <p:grpSpPr>
-          <a:xfrm>
-            <a:off x="8332141" y="4549441"/>
-            <a:ext cx="325770" cy="332895"/>
-            <a:chOff x="11160126" y="6203950"/>
-            <a:chExt cx="508000" cy="519112"/>
-          </a:xfrm>
-          <a:solidFill>
-            <a:schemeClr val="bg1"/>
-          </a:solidFill>
-        </p:grpSpPr>
-        <p:sp>
-          <p:nvSpPr>
-            <p:cNvPr id="12" name="Freeform 5">
-              <a:extLst>
-                <a:ext uri="{FF2B5EF4-FFF2-40B4-BE49-F238E27FC236}">
-                  <a16:creationId xmlns:a16="http://schemas.microsoft.com/office/drawing/2014/main" id="{FDD543AA-84A8-4777-9328-9301DA19AA0B}"/>
-                </a:ext>
-              </a:extLst>
-            </p:cNvPr>
-            <p:cNvSpPr>
-              <a:spLocks noEditPoints="1"/>
-            </p:cNvSpPr>
-            <p:nvPr userDrawn="1"/>
-          </p:nvSpPr>
-          <p:spPr bwMode="auto">
-            <a:xfrm>
-              <a:off x="11160126" y="6203950"/>
-              <a:ext cx="239713" cy="519112"/>
-            </a:xfrm>
-            <a:custGeom>
-              <a:avLst/>
-              <a:gdLst>
-                <a:gd name="T0" fmla="*/ 83 w 167"/>
-                <a:gd name="T1" fmla="*/ 169 h 356"/>
-                <a:gd name="T2" fmla="*/ 83 w 167"/>
-                <a:gd name="T3" fmla="*/ 169 h 356"/>
-                <a:gd name="T4" fmla="*/ 40 w 167"/>
-                <a:gd name="T5" fmla="*/ 126 h 356"/>
-                <a:gd name="T6" fmla="*/ 83 w 167"/>
-                <a:gd name="T7" fmla="*/ 83 h 356"/>
-                <a:gd name="T8" fmla="*/ 126 w 167"/>
-                <a:gd name="T9" fmla="*/ 126 h 356"/>
-                <a:gd name="T10" fmla="*/ 83 w 167"/>
-                <a:gd name="T11" fmla="*/ 169 h 356"/>
-                <a:gd name="T12" fmla="*/ 83 w 167"/>
-                <a:gd name="T13" fmla="*/ 315 h 356"/>
-                <a:gd name="T14" fmla="*/ 83 w 167"/>
-                <a:gd name="T15" fmla="*/ 315 h 356"/>
-                <a:gd name="T16" fmla="*/ 40 w 167"/>
-                <a:gd name="T17" fmla="*/ 272 h 356"/>
-                <a:gd name="T18" fmla="*/ 83 w 167"/>
-                <a:gd name="T19" fmla="*/ 229 h 356"/>
-                <a:gd name="T20" fmla="*/ 126 w 167"/>
-                <a:gd name="T21" fmla="*/ 272 h 356"/>
-                <a:gd name="T22" fmla="*/ 83 w 167"/>
-                <a:gd name="T23" fmla="*/ 315 h 356"/>
-                <a:gd name="T24" fmla="*/ 167 w 167"/>
-                <a:gd name="T25" fmla="*/ 125 h 356"/>
-                <a:gd name="T26" fmla="*/ 167 w 167"/>
-                <a:gd name="T27" fmla="*/ 125 h 356"/>
-                <a:gd name="T28" fmla="*/ 167 w 167"/>
-                <a:gd name="T29" fmla="*/ 0 h 356"/>
-                <a:gd name="T30" fmla="*/ 127 w 167"/>
-                <a:gd name="T31" fmla="*/ 0 h 356"/>
-                <a:gd name="T32" fmla="*/ 127 w 167"/>
-                <a:gd name="T33" fmla="*/ 54 h 356"/>
-                <a:gd name="T34" fmla="*/ 83 w 167"/>
-                <a:gd name="T35" fmla="*/ 42 h 356"/>
-                <a:gd name="T36" fmla="*/ 0 w 167"/>
-                <a:gd name="T37" fmla="*/ 125 h 356"/>
-                <a:gd name="T38" fmla="*/ 43 w 167"/>
-                <a:gd name="T39" fmla="*/ 199 h 356"/>
-                <a:gd name="T40" fmla="*/ 0 w 167"/>
-                <a:gd name="T41" fmla="*/ 272 h 356"/>
-                <a:gd name="T42" fmla="*/ 83 w 167"/>
-                <a:gd name="T43" fmla="*/ 356 h 356"/>
-                <a:gd name="T44" fmla="*/ 127 w 167"/>
-                <a:gd name="T45" fmla="*/ 344 h 356"/>
-                <a:gd name="T46" fmla="*/ 127 w 167"/>
-                <a:gd name="T47" fmla="*/ 356 h 356"/>
-                <a:gd name="T48" fmla="*/ 167 w 167"/>
-                <a:gd name="T49" fmla="*/ 356 h 356"/>
-                <a:gd name="T50" fmla="*/ 167 w 167"/>
-                <a:gd name="T51" fmla="*/ 272 h 356"/>
-                <a:gd name="T52" fmla="*/ 123 w 167"/>
-                <a:gd name="T53" fmla="*/ 199 h 356"/>
-                <a:gd name="T54" fmla="*/ 167 w 167"/>
-                <a:gd name="T55" fmla="*/ 125 h 356"/>
-              </a:gdLst>
-              <a:ahLst/>
-              <a:cxnLst>
-                <a:cxn ang="0">
-                  <a:pos x="T0" y="T1"/>
-                </a:cxn>
-                <a:cxn ang="0">
-                  <a:pos x="T2" y="T3"/>
-                </a:cxn>
-                <a:cxn ang="0">
-                  <a:pos x="T4" y="T5"/>
-                </a:cxn>
-                <a:cxn ang="0">
-                  <a:pos x="T6" y="T7"/>
-                </a:cxn>
-                <a:cxn ang="0">
-                  <a:pos x="T8" y="T9"/>
-                </a:cxn>
-                <a:cxn ang="0">
-                  <a:pos x="T10" y="T11"/>
-                </a:cxn>
-                <a:cxn ang="0">
-                  <a:pos x="T12" y="T13"/>
-                </a:cxn>
-                <a:cxn ang="0">
-                  <a:pos x="T14" y="T15"/>
-                </a:cxn>
-                <a:cxn ang="0">
-                  <a:pos x="T16" y="T17"/>
-                </a:cxn>
-                <a:cxn ang="0">
-                  <a:pos x="T18" y="T19"/>
-                </a:cxn>
-                <a:cxn ang="0">
-                  <a:pos x="T20" y="T21"/>
-                </a:cxn>
-                <a:cxn ang="0">
-                  <a:pos x="T22" y="T23"/>
-                </a:cxn>
-                <a:cxn ang="0">
-                  <a:pos x="T24" y="T25"/>
-                </a:cxn>
-                <a:cxn ang="0">
-                  <a:pos x="T26" y="T27"/>
-                </a:cxn>
-                <a:cxn ang="0">
-                  <a:pos x="T28" y="T29"/>
-                </a:cxn>
-                <a:cxn ang="0">
-                  <a:pos x="T30" y="T31"/>
-                </a:cxn>
-                <a:cxn ang="0">
-                  <a:pos x="T32" y="T33"/>
-                </a:cxn>
-                <a:cxn ang="0">
-                  <a:pos x="T34" y="T35"/>
-                </a:cxn>
-                <a:cxn ang="0">
-                  <a:pos x="T36" y="T37"/>
-                </a:cxn>
-                <a:cxn ang="0">
-                  <a:pos x="T38" y="T39"/>
-                </a:cxn>
-                <a:cxn ang="0">
-                  <a:pos x="T40" y="T41"/>
-                </a:cxn>
-                <a:cxn ang="0">
-                  <a:pos x="T42" y="T43"/>
-                </a:cxn>
-                <a:cxn ang="0">
-                  <a:pos x="T44" y="T45"/>
-                </a:cxn>
-                <a:cxn ang="0">
-                  <a:pos x="T46" y="T47"/>
-                </a:cxn>
-                <a:cxn ang="0">
-                  <a:pos x="T48" y="T49"/>
-                </a:cxn>
-                <a:cxn ang="0">
-                  <a:pos x="T50" y="T51"/>
-                </a:cxn>
-                <a:cxn ang="0">
-                  <a:pos x="T52" y="T53"/>
-                </a:cxn>
-                <a:cxn ang="0">
-                  <a:pos x="T54" y="T55"/>
-                </a:cxn>
-              </a:cxnLst>
-              <a:rect l="0" t="0" r="r" b="b"/>
-              <a:pathLst>
-                <a:path w="167" h="356">
-                  <a:moveTo>
-                    <a:pt x="83" y="169"/>
-                  </a:moveTo>
-                  <a:lnTo>
-                    <a:pt x="83" y="169"/>
-                  </a:lnTo>
-                  <a:cubicBezTo>
-                    <a:pt x="60" y="169"/>
-                    <a:pt x="40" y="149"/>
-                    <a:pt x="40" y="126"/>
-                  </a:cubicBezTo>
-                  <a:cubicBezTo>
-                    <a:pt x="40" y="102"/>
-                    <a:pt x="60" y="83"/>
-                    <a:pt x="83" y="83"/>
-                  </a:cubicBezTo>
-                  <a:cubicBezTo>
-                    <a:pt x="107" y="83"/>
-                    <a:pt x="126" y="102"/>
-                    <a:pt x="126" y="126"/>
-                  </a:cubicBezTo>
-                  <a:cubicBezTo>
-                    <a:pt x="126" y="149"/>
-                    <a:pt x="107" y="169"/>
-                    <a:pt x="83" y="169"/>
-                  </a:cubicBezTo>
-                  <a:close/>
-                  <a:moveTo>
-                    <a:pt x="83" y="315"/>
-                  </a:moveTo>
-                  <a:lnTo>
-                    <a:pt x="83" y="315"/>
-                  </a:lnTo>
-                  <a:cubicBezTo>
-                    <a:pt x="59" y="315"/>
-                    <a:pt x="40" y="296"/>
-                    <a:pt x="40" y="272"/>
-                  </a:cubicBezTo>
-                  <a:cubicBezTo>
-                    <a:pt x="40" y="248"/>
-                    <a:pt x="59" y="229"/>
-                    <a:pt x="83" y="229"/>
-                  </a:cubicBezTo>
-                  <a:cubicBezTo>
-                    <a:pt x="107" y="229"/>
-                    <a:pt x="126" y="248"/>
-                    <a:pt x="126" y="272"/>
-                  </a:cubicBezTo>
-                  <a:cubicBezTo>
-                    <a:pt x="126" y="296"/>
-                    <a:pt x="107" y="315"/>
-                    <a:pt x="83" y="315"/>
-                  </a:cubicBezTo>
-                  <a:close/>
-                  <a:moveTo>
-                    <a:pt x="167" y="125"/>
-                  </a:moveTo>
-                  <a:lnTo>
-                    <a:pt x="167" y="125"/>
-                  </a:lnTo>
-                  <a:lnTo>
-                    <a:pt x="167" y="0"/>
-                  </a:lnTo>
-                  <a:lnTo>
-                    <a:pt x="127" y="0"/>
-                  </a:lnTo>
-                  <a:lnTo>
-                    <a:pt x="127" y="54"/>
-                  </a:lnTo>
-                  <a:cubicBezTo>
-                    <a:pt x="114" y="46"/>
-                    <a:pt x="99" y="42"/>
-                    <a:pt x="83" y="42"/>
-                  </a:cubicBezTo>
-                  <a:cubicBezTo>
-                    <a:pt x="37" y="42"/>
-                    <a:pt x="0" y="79"/>
-                    <a:pt x="0" y="125"/>
-                  </a:cubicBezTo>
-                  <a:cubicBezTo>
-                    <a:pt x="0" y="157"/>
-                    <a:pt x="17" y="185"/>
-                    <a:pt x="43" y="199"/>
-                  </a:cubicBezTo>
-                  <a:cubicBezTo>
-                    <a:pt x="17" y="213"/>
-                    <a:pt x="0" y="241"/>
-                    <a:pt x="0" y="272"/>
-                  </a:cubicBezTo>
-                  <a:cubicBezTo>
-                    <a:pt x="0" y="319"/>
-                    <a:pt x="37" y="356"/>
-                    <a:pt x="83" y="356"/>
-                  </a:cubicBezTo>
-                  <a:cubicBezTo>
-                    <a:pt x="99" y="356"/>
-                    <a:pt x="114" y="352"/>
-                    <a:pt x="127" y="344"/>
-                  </a:cubicBezTo>
-                  <a:lnTo>
-                    <a:pt x="127" y="356"/>
-                  </a:lnTo>
-                  <a:lnTo>
-                    <a:pt x="167" y="356"/>
-                  </a:lnTo>
-                  <a:lnTo>
-                    <a:pt x="167" y="272"/>
-                  </a:lnTo>
-                  <a:cubicBezTo>
-                    <a:pt x="167" y="241"/>
-                    <a:pt x="149" y="213"/>
-                    <a:pt x="123" y="199"/>
-                  </a:cubicBezTo>
-                  <a:cubicBezTo>
-                    <a:pt x="149" y="185"/>
-                    <a:pt x="167" y="157"/>
-                    <a:pt x="167" y="125"/>
-                  </a:cubicBezTo>
-                  <a:close/>
-                </a:path>
-              </a:pathLst>
-            </a:custGeom>
-            <a:grpFill/>
-            <a:ln w="0">
-              <a:noFill/>
-              <a:prstDash val="solid"/>
-              <a:round/>
-              <a:headEnd/>
-              <a:tailEnd/>
-            </a:ln>
-          </p:spPr>
-          <p:txBody>
-            <a:bodyPr vert="horz" wrap="square" lIns="91440" tIns="45720" rIns="91440" bIns="45720" numCol="1" anchor="t" anchorCtr="0" compatLnSpc="1">
-              <a:prstTxWarp prst="textNoShape">
-                <a:avLst/>
-              </a:prstTxWarp>
-            </a:bodyPr>
-            <a:lstStyle/>
-            <a:p>
-              <a:endParaRPr lang="en-GB" sz="1351" dirty="0"/>
-            </a:p>
-          </p:txBody>
-        </p:sp>
-        <p:sp>
-          <p:nvSpPr>
-            <p:cNvPr id="13" name="Freeform 6">
-              <a:extLst>
-                <a:ext uri="{FF2B5EF4-FFF2-40B4-BE49-F238E27FC236}">
-                  <a16:creationId xmlns:a16="http://schemas.microsoft.com/office/drawing/2014/main" id="{F2807E22-DB84-4DE7-962B-533BA233CE54}"/>
-                </a:ext>
-              </a:extLst>
-            </p:cNvPr>
-            <p:cNvSpPr>
-              <a:spLocks noEditPoints="1"/>
-            </p:cNvSpPr>
-            <p:nvPr userDrawn="1"/>
-          </p:nvSpPr>
-          <p:spPr bwMode="auto">
-            <a:xfrm>
-              <a:off x="11428413" y="6203950"/>
-              <a:ext cx="239713" cy="519112"/>
-            </a:xfrm>
-            <a:custGeom>
-              <a:avLst/>
-              <a:gdLst>
-                <a:gd name="T0" fmla="*/ 84 w 167"/>
-                <a:gd name="T1" fmla="*/ 229 h 356"/>
-                <a:gd name="T2" fmla="*/ 84 w 167"/>
-                <a:gd name="T3" fmla="*/ 229 h 356"/>
-                <a:gd name="T4" fmla="*/ 127 w 167"/>
-                <a:gd name="T5" fmla="*/ 272 h 356"/>
-                <a:gd name="T6" fmla="*/ 84 w 167"/>
-                <a:gd name="T7" fmla="*/ 315 h 356"/>
-                <a:gd name="T8" fmla="*/ 41 w 167"/>
-                <a:gd name="T9" fmla="*/ 272 h 356"/>
-                <a:gd name="T10" fmla="*/ 84 w 167"/>
-                <a:gd name="T11" fmla="*/ 229 h 356"/>
-                <a:gd name="T12" fmla="*/ 167 w 167"/>
-                <a:gd name="T13" fmla="*/ 83 h 356"/>
-                <a:gd name="T14" fmla="*/ 167 w 167"/>
-                <a:gd name="T15" fmla="*/ 83 h 356"/>
-                <a:gd name="T16" fmla="*/ 167 w 167"/>
-                <a:gd name="T17" fmla="*/ 83 h 356"/>
-                <a:gd name="T18" fmla="*/ 84 w 167"/>
-                <a:gd name="T19" fmla="*/ 0 h 356"/>
-                <a:gd name="T20" fmla="*/ 0 w 167"/>
-                <a:gd name="T21" fmla="*/ 83 h 356"/>
-                <a:gd name="T22" fmla="*/ 0 w 167"/>
-                <a:gd name="T23" fmla="*/ 272 h 356"/>
-                <a:gd name="T24" fmla="*/ 84 w 167"/>
-                <a:gd name="T25" fmla="*/ 356 h 356"/>
-                <a:gd name="T26" fmla="*/ 167 w 167"/>
-                <a:gd name="T27" fmla="*/ 272 h 356"/>
-                <a:gd name="T28" fmla="*/ 84 w 167"/>
-                <a:gd name="T29" fmla="*/ 189 h 356"/>
-                <a:gd name="T30" fmla="*/ 41 w 167"/>
-                <a:gd name="T31" fmla="*/ 201 h 356"/>
-                <a:gd name="T32" fmla="*/ 41 w 167"/>
-                <a:gd name="T33" fmla="*/ 146 h 356"/>
-                <a:gd name="T34" fmla="*/ 104 w 167"/>
-                <a:gd name="T35" fmla="*/ 146 h 356"/>
-                <a:gd name="T36" fmla="*/ 104 w 167"/>
-                <a:gd name="T37" fmla="*/ 106 h 356"/>
-                <a:gd name="T38" fmla="*/ 41 w 167"/>
-                <a:gd name="T39" fmla="*/ 106 h 356"/>
-                <a:gd name="T40" fmla="*/ 41 w 167"/>
-                <a:gd name="T41" fmla="*/ 83 h 356"/>
-                <a:gd name="T42" fmla="*/ 84 w 167"/>
-                <a:gd name="T43" fmla="*/ 40 h 356"/>
-                <a:gd name="T44" fmla="*/ 127 w 167"/>
-                <a:gd name="T45" fmla="*/ 83 h 356"/>
-                <a:gd name="T46" fmla="*/ 127 w 167"/>
-                <a:gd name="T47" fmla="*/ 83 h 356"/>
-                <a:gd name="T48" fmla="*/ 167 w 167"/>
-                <a:gd name="T49" fmla="*/ 83 h 356"/>
-              </a:gdLst>
-              <a:ahLst/>
-              <a:cxnLst>
-                <a:cxn ang="0">
-                  <a:pos x="T0" y="T1"/>
-                </a:cxn>
-                <a:cxn ang="0">
-                  <a:pos x="T2" y="T3"/>
-                </a:cxn>
-                <a:cxn ang="0">
-                  <a:pos x="T4" y="T5"/>
-                </a:cxn>
-                <a:cxn ang="0">
-                  <a:pos x="T6" y="T7"/>
-                </a:cxn>
-                <a:cxn ang="0">
-                  <a:pos x="T8" y="T9"/>
-                </a:cxn>
-                <a:cxn ang="0">
-                  <a:pos x="T10" y="T11"/>
-                </a:cxn>
-                <a:cxn ang="0">
-                  <a:pos x="T12" y="T13"/>
-                </a:cxn>
-                <a:cxn ang="0">
-                  <a:pos x="T14" y="T15"/>
-                </a:cxn>
-                <a:cxn ang="0">
-                  <a:pos x="T16" y="T17"/>
-                </a:cxn>
-                <a:cxn ang="0">
-                  <a:pos x="T18" y="T19"/>
-                </a:cxn>
-                <a:cxn ang="0">
-                  <a:pos x="T20" y="T21"/>
-                </a:cxn>
-                <a:cxn ang="0">
-                  <a:pos x="T22" y="T23"/>
-                </a:cxn>
-                <a:cxn ang="0">
-                  <a:pos x="T24" y="T25"/>
-                </a:cxn>
-                <a:cxn ang="0">
-                  <a:pos x="T26" y="T27"/>
-                </a:cxn>
-                <a:cxn ang="0">
-                  <a:pos x="T28" y="T29"/>
-                </a:cxn>
-                <a:cxn ang="0">
-                  <a:pos x="T30" y="T31"/>
-                </a:cxn>
-                <a:cxn ang="0">
-                  <a:pos x="T32" y="T33"/>
-                </a:cxn>
-                <a:cxn ang="0">
-                  <a:pos x="T34" y="T35"/>
-                </a:cxn>
-                <a:cxn ang="0">
-                  <a:pos x="T36" y="T37"/>
-                </a:cxn>
-                <a:cxn ang="0">
-                  <a:pos x="T38" y="T39"/>
-                </a:cxn>
-                <a:cxn ang="0">
-                  <a:pos x="T40" y="T41"/>
-                </a:cxn>
-                <a:cxn ang="0">
-                  <a:pos x="T42" y="T43"/>
-                </a:cxn>
-                <a:cxn ang="0">
-                  <a:pos x="T44" y="T45"/>
-                </a:cxn>
-                <a:cxn ang="0">
-                  <a:pos x="T46" y="T47"/>
-                </a:cxn>
-                <a:cxn ang="0">
-                  <a:pos x="T48" y="T49"/>
-                </a:cxn>
-              </a:cxnLst>
-              <a:rect l="0" t="0" r="r" b="b"/>
-              <a:pathLst>
-                <a:path w="167" h="356">
-                  <a:moveTo>
-                    <a:pt x="84" y="229"/>
-                  </a:moveTo>
-                  <a:lnTo>
-                    <a:pt x="84" y="229"/>
-                  </a:lnTo>
-                  <a:cubicBezTo>
-                    <a:pt x="107" y="229"/>
-                    <a:pt x="127" y="248"/>
-                    <a:pt x="127" y="272"/>
-                  </a:cubicBezTo>
-                  <a:cubicBezTo>
-                    <a:pt x="127" y="296"/>
-                    <a:pt x="107" y="315"/>
-                    <a:pt x="84" y="315"/>
-                  </a:cubicBezTo>
-                  <a:cubicBezTo>
-                    <a:pt x="60" y="315"/>
-                    <a:pt x="41" y="296"/>
-                    <a:pt x="41" y="272"/>
-                  </a:cubicBezTo>
-                  <a:cubicBezTo>
-                    <a:pt x="41" y="248"/>
-                    <a:pt x="60" y="229"/>
-                    <a:pt x="84" y="229"/>
-                  </a:cubicBezTo>
-                  <a:close/>
-                  <a:moveTo>
-                    <a:pt x="167" y="83"/>
-                  </a:moveTo>
-                  <a:lnTo>
-                    <a:pt x="167" y="83"/>
-                  </a:lnTo>
-                  <a:lnTo>
-                    <a:pt x="167" y="83"/>
-                  </a:lnTo>
-                  <a:cubicBezTo>
-                    <a:pt x="167" y="37"/>
-                    <a:pt x="130" y="0"/>
-                    <a:pt x="84" y="0"/>
-                  </a:cubicBezTo>
-                  <a:cubicBezTo>
-                    <a:pt x="38" y="0"/>
-                    <a:pt x="0" y="37"/>
-                    <a:pt x="0" y="83"/>
-                  </a:cubicBezTo>
-                  <a:lnTo>
-                    <a:pt x="0" y="272"/>
-                  </a:lnTo>
-                  <a:cubicBezTo>
-                    <a:pt x="0" y="319"/>
-                    <a:pt x="37" y="356"/>
-                    <a:pt x="84" y="356"/>
-                  </a:cubicBezTo>
-                  <a:cubicBezTo>
-                    <a:pt x="130" y="356"/>
-                    <a:pt x="167" y="319"/>
-                    <a:pt x="167" y="272"/>
-                  </a:cubicBezTo>
-                  <a:cubicBezTo>
-                    <a:pt x="167" y="226"/>
-                    <a:pt x="130" y="189"/>
-                    <a:pt x="84" y="189"/>
-                  </a:cubicBezTo>
-                  <a:cubicBezTo>
-                    <a:pt x="68" y="189"/>
-                    <a:pt x="53" y="193"/>
-                    <a:pt x="41" y="201"/>
-                  </a:cubicBezTo>
-                  <a:lnTo>
-                    <a:pt x="41" y="146"/>
-                  </a:lnTo>
-                  <a:lnTo>
-                    <a:pt x="104" y="146"/>
-                  </a:lnTo>
-                  <a:lnTo>
-                    <a:pt x="104" y="106"/>
-                  </a:lnTo>
-                  <a:lnTo>
-                    <a:pt x="41" y="106"/>
-                  </a:lnTo>
-                  <a:cubicBezTo>
-                    <a:pt x="41" y="106"/>
-                    <a:pt x="41" y="83"/>
-                    <a:pt x="41" y="83"/>
-                  </a:cubicBezTo>
-                  <a:cubicBezTo>
-                    <a:pt x="41" y="60"/>
-                    <a:pt x="60" y="40"/>
-                    <a:pt x="84" y="40"/>
-                  </a:cubicBezTo>
-                  <a:cubicBezTo>
-                    <a:pt x="108" y="40"/>
-                    <a:pt x="127" y="60"/>
-                    <a:pt x="127" y="83"/>
-                  </a:cubicBezTo>
-                  <a:lnTo>
-                    <a:pt x="127" y="83"/>
-                  </a:lnTo>
-                  <a:lnTo>
-                    <a:pt x="167" y="83"/>
-                  </a:lnTo>
-                  <a:close/>
-                </a:path>
-              </a:pathLst>
-            </a:custGeom>
-            <a:grpFill/>
-            <a:ln w="0">
-              <a:noFill/>
-              <a:prstDash val="solid"/>
-              <a:round/>
-              <a:headEnd/>
-              <a:tailEnd/>
-            </a:ln>
-          </p:spPr>
-          <p:txBody>
-            <a:bodyPr vert="horz" wrap="square" lIns="91440" tIns="45720" rIns="91440" bIns="45720" numCol="1" anchor="t" anchorCtr="0" compatLnSpc="1">
-              <a:prstTxWarp prst="textNoShape">
-                <a:avLst/>
-              </a:prstTxWarp>
-            </a:bodyPr>
-            <a:lstStyle/>
-            <a:p>
-              <a:endParaRPr lang="en-GB" sz="1351" dirty="0"/>
-            </a:p>
-          </p:txBody>
-        </p:sp>
-      </p:grpSp>
+            <a:endParaRPr lang="de-DE"/>
+          </a:p>
+        </p:txBody>
+      </p:sp>
+      <p:sp>
+        <p:nvSpPr>
+          <p:cNvPr id="20" name="Text Placeholder 19">
+            <a:extLst>
+              <a:ext uri="{FF2B5EF4-FFF2-40B4-BE49-F238E27FC236}">
+                <a16:creationId xmlns:a16="http://schemas.microsoft.com/office/drawing/2014/main" id="{4C7E68FC-3742-C145-A1DE-143E9097DD4A}"/>
+              </a:ext>
+            </a:extLst>
+          </p:cNvPr>
+          <p:cNvSpPr>
+            <a:spLocks noGrp="1"/>
+          </p:cNvSpPr>
+          <p:nvPr>
+            <p:ph type="body" sz="quarter" idx="13"/>
+          </p:nvPr>
+        </p:nvSpPr>
+        <p:spPr/>
+        <p:txBody>
+          <a:bodyPr/>
+          <a:lstStyle/>
+          <a:p>
+            <a:endParaRPr lang="de-DE"/>
+          </a:p>
+        </p:txBody>
+      </p:sp>
+      <p:sp>
+        <p:nvSpPr>
+          <p:cNvPr id="24" name="Slide Number Placeholder 23">
+            <a:extLst>
+              <a:ext uri="{FF2B5EF4-FFF2-40B4-BE49-F238E27FC236}">
+                <a16:creationId xmlns:a16="http://schemas.microsoft.com/office/drawing/2014/main" id="{68D18E14-4BA4-5444-9B93-B2DC7B9A4533}"/>
+              </a:ext>
+            </a:extLst>
+          </p:cNvPr>
+          <p:cNvSpPr>
+            <a:spLocks noGrp="1"/>
+          </p:cNvSpPr>
+          <p:nvPr>
+            <p:ph type="sldNum" sz="quarter" idx="16"/>
+          </p:nvPr>
+        </p:nvSpPr>
+        <p:spPr/>
+        <p:txBody>
+          <a:bodyPr/>
+          <a:lstStyle/>
+          <a:p>
+            <a:fld id="{135BD99D-F739-4C48-A769-D8C856C33304}" type="slidenum">
+              <a:rPr lang="de-DE" smtClean="0"/>
+              <a:pPr/>
+              <a:t>39</a:t>
+            </a:fld>
+            <a:endParaRPr lang="de-DE" dirty="0"/>
+          </a:p>
+        </p:txBody>
+      </p:sp>
       <p:pic>
         <p:nvPicPr>
-          <p:cNvPr id="14" name="Picture 13">
-            <a:extLst>
-              <a:ext uri="{FF2B5EF4-FFF2-40B4-BE49-F238E27FC236}">
-                <a16:creationId xmlns:a16="http://schemas.microsoft.com/office/drawing/2014/main" id="{6485F741-1573-4687-9E76-CD906CE9C03D}"/>
-              </a:ext>
-            </a:extLst>
-          </p:cNvPr>
-          <p:cNvPicPr>
-            <a:picLocks noChangeAspect="1"/>
-          </p:cNvPicPr>
-          <p:nvPr/>
-        </p:nvPicPr>
-        <p:blipFill>
-          <a:blip r:embed="rId2" cstate="print">
-            <a:extLst>
-              <a:ext uri="{28A0092B-C50C-407E-A947-70E740481C1C}">
-                <a14:useLocalDpi xmlns:a14="http://schemas.microsoft.com/office/drawing/2010/main" val="0"/>
-              </a:ext>
-            </a:extLst>
-          </a:blip>
-          <a:stretch>
-            <a:fillRect/>
-          </a:stretch>
-        </p:blipFill>
-        <p:spPr>
-          <a:xfrm>
-            <a:off x="1657846" y="4700532"/>
-            <a:ext cx="654652" cy="165968"/>
-          </a:xfrm>
-          <a:prstGeom prst="rect">
-            <a:avLst/>
-          </a:prstGeom>
-        </p:spPr>
-      </p:pic>
-      <p:pic>
-        <p:nvPicPr>
-          <p:cNvPr id="15" name="Picture 14">
-            <a:extLst>
-              <a:ext uri="{FF2B5EF4-FFF2-40B4-BE49-F238E27FC236}">
-                <a16:creationId xmlns:a16="http://schemas.microsoft.com/office/drawing/2014/main" id="{D6937A68-7105-4C80-839C-BE5F8D53A956}"/>
-              </a:ext>
-            </a:extLst>
-          </p:cNvPr>
-          <p:cNvPicPr>
-            <a:picLocks noChangeAspect="1"/>
-          </p:cNvPicPr>
-          <p:nvPr/>
-        </p:nvPicPr>
-        <p:blipFill>
-          <a:blip r:embed="rId3" cstate="print">
-            <a:extLst>
-              <a:ext uri="{28A0092B-C50C-407E-A947-70E740481C1C}">
-                <a14:useLocalDpi xmlns:a14="http://schemas.microsoft.com/office/drawing/2010/main" val="0"/>
-              </a:ext>
-            </a:extLst>
-          </a:blip>
-          <a:stretch>
-            <a:fillRect/>
-          </a:stretch>
-        </p:blipFill>
-        <p:spPr>
-          <a:xfrm>
-            <a:off x="278868" y="4640865"/>
-            <a:ext cx="951807" cy="195518"/>
-          </a:xfrm>
-          <a:prstGeom prst="rect">
-            <a:avLst/>
-          </a:prstGeom>
-        </p:spPr>
-      </p:pic>
-      <p:pic>
-        <p:nvPicPr>
-          <p:cNvPr id="16" name="Picture 15">
-            <a:extLst>
-              <a:ext uri="{FF2B5EF4-FFF2-40B4-BE49-F238E27FC236}">
-                <a16:creationId xmlns:a16="http://schemas.microsoft.com/office/drawing/2014/main" id="{87076B9F-F0C1-4DDD-989B-EAF059EB91CF}"/>
+          <p:cNvPr id="7" name="Picture 6">
+            <a:extLst>
+              <a:ext uri="{FF2B5EF4-FFF2-40B4-BE49-F238E27FC236}">
+                <a16:creationId xmlns:a16="http://schemas.microsoft.com/office/drawing/2014/main" id="{BE4EAF31-B64D-4CCC-B3EA-C88BD8E7C968}"/>
               </a:ext>
             </a:extLst>
           </p:cNvPr>
@@ -25453,77 +24623,24 @@
           <p:nvPr/>
         </p:nvPicPr>
         <p:blipFill rotWithShape="1">
-          <a:blip r:embed="rId4" cstate="print">
-            <a:extLst>
-              <a:ext uri="{28A0092B-C50C-407E-A947-70E740481C1C}">
-                <a14:useLocalDpi xmlns:a14="http://schemas.microsoft.com/office/drawing/2010/main" val="0"/>
-              </a:ext>
-            </a:extLst>
-          </a:blip>
-          <a:srcRect t="-1" b="36202"/>
+          <a:blip r:embed="rId2"/>
+          <a:srcRect b="14069"/>
           <a:stretch/>
         </p:blipFill>
         <p:spPr>
           <a:xfrm>
-            <a:off x="2809920" y="4640865"/>
-            <a:ext cx="768780" cy="218666"/>
+            <a:off x="20" y="1"/>
+            <a:ext cx="9143980" cy="5143498"/>
           </a:xfrm>
           <a:prstGeom prst="rect">
             <a:avLst/>
           </a:prstGeom>
         </p:spPr>
       </p:pic>
-      <p:pic>
-        <p:nvPicPr>
-          <p:cNvPr id="17" name="Picture 16" descr="W:\XX_new-folder-structure_WIP\05_templates\xx_logos\BRG_Logo\150423_BRG_logo_white_small.png">
-            <a:extLst>
-              <a:ext uri="{FF2B5EF4-FFF2-40B4-BE49-F238E27FC236}">
-                <a16:creationId xmlns:a16="http://schemas.microsoft.com/office/drawing/2014/main" id="{7B1192C6-5F5B-455D-A6F3-4C9E7513CCE9}"/>
-              </a:ext>
-            </a:extLst>
-          </p:cNvPr>
-          <p:cNvPicPr>
-            <a:picLocks noChangeAspect="1" noChangeArrowheads="1"/>
-          </p:cNvPicPr>
-          <p:nvPr/>
-        </p:nvPicPr>
-        <p:blipFill>
-          <a:blip r:embed="rId5" cstate="print">
-            <a:extLst>
-              <a:ext uri="{28A0092B-C50C-407E-A947-70E740481C1C}">
-                <a14:useLocalDpi xmlns:a14="http://schemas.microsoft.com/office/drawing/2010/main" val="0"/>
-              </a:ext>
-            </a:extLst>
-          </a:blip>
-          <a:srcRect/>
-          <a:stretch>
-            <a:fillRect/>
-          </a:stretch>
-        </p:blipFill>
-        <p:spPr bwMode="auto">
-          <a:xfrm>
-            <a:off x="3828642" y="4613301"/>
-            <a:ext cx="834431" cy="253958"/>
-          </a:xfrm>
-          <a:prstGeom prst="rect">
-            <a:avLst/>
-          </a:prstGeom>
-          <a:noFill/>
-          <a:extLst>
-            <a:ext uri="{909E8E84-426E-40DD-AFC4-6F175D3DCCD1}">
-              <a14:hiddenFill xmlns:a14="http://schemas.microsoft.com/office/drawing/2010/main">
-                <a:solidFill>
-                  <a:srgbClr val="FFFFFF"/>
-                </a:solidFill>
-              </a14:hiddenFill>
-            </a:ext>
-          </a:extLst>
-        </p:spPr>
-      </p:pic>
     </p:spTree>
     <p:extLst>
       <p:ext uri="{BB962C8B-B14F-4D97-AF65-F5344CB8AC3E}">
-        <p14:creationId xmlns:p14="http://schemas.microsoft.com/office/powerpoint/2010/main" val="1200570132"/>
+        <p14:creationId xmlns:p14="http://schemas.microsoft.com/office/powerpoint/2010/main" val="673538402"/>
       </p:ext>
     </p:extLst>
   </p:cSld>
@@ -27848,10 +26965,10 @@
       </p:sp>
       <p:pic>
         <p:nvPicPr>
-          <p:cNvPr id="40" name="Picture 39">
-            <a:extLst>
-              <a:ext uri="{FF2B5EF4-FFF2-40B4-BE49-F238E27FC236}">
-                <a16:creationId xmlns:a16="http://schemas.microsoft.com/office/drawing/2014/main" id="{6D395527-714B-4D44-934A-01D7089E43FD}"/>
+          <p:cNvPr id="51" name="Picture 50" descr="A picture containing mug&#10;&#10;Description automatically generated">
+            <a:extLst>
+              <a:ext uri="{FF2B5EF4-FFF2-40B4-BE49-F238E27FC236}">
+                <a16:creationId xmlns:a16="http://schemas.microsoft.com/office/drawing/2014/main" id="{9032A2EC-0493-4348-97D4-8C62F5F59A03}"/>
               </a:ext>
             </a:extLst>
           </p:cNvPr>
@@ -27860,7 +26977,7 @@
           </p:cNvPicPr>
           <p:nvPr/>
         </p:nvPicPr>
-        <p:blipFill>
+        <p:blipFill rotWithShape="1">
           <a:blip r:embed="rId4" cstate="print">
             <a:extLst>
               <a:ext uri="{28A0092B-C50C-407E-A947-70E740481C1C}">
@@ -27868,14 +26985,13 @@
               </a:ext>
             </a:extLst>
           </a:blip>
-          <a:stretch>
-            <a:fillRect/>
-          </a:stretch>
+          <a:srcRect l="17789" r="19468"/>
+          <a:stretch/>
         </p:blipFill>
         <p:spPr>
           <a:xfrm>
-            <a:off x="7602116" y="1905426"/>
-            <a:ext cx="1077260" cy="1447648"/>
+            <a:off x="7254507" y="1636540"/>
+            <a:ext cx="1854000" cy="1654738"/>
           </a:xfrm>
           <a:prstGeom prst="rect">
             <a:avLst/>
